--- a/rough-diag.pptx
+++ b/rough-diag.pptx
@@ -5,7 +5,7 @@
     <p:sldMasterId id="2147483648" r:id="rId1"/>
   </p:sldMasterIdLst>
   <p:notesMasterIdLst>
-    <p:notesMasterId r:id="rId17"/>
+    <p:notesMasterId r:id="rId19"/>
   </p:notesMasterIdLst>
   <p:sldIdLst>
     <p:sldId id="288" r:id="rId2"/>
@@ -23,6 +23,8 @@
     <p:sldId id="723" r:id="rId14"/>
     <p:sldId id="725" r:id="rId15"/>
     <p:sldId id="724" r:id="rId16"/>
+    <p:sldId id="726" r:id="rId17"/>
+    <p:sldId id="727" r:id="rId18"/>
   </p:sldIdLst>
   <p:sldSz cx="9144000" cy="5715000" type="screen16x10"/>
   <p:notesSz cx="6858000" cy="9144000"/>
@@ -6654,7 +6656,7 @@
         </p:nvSpPr>
         <p:spPr>
           <a:xfrm>
-            <a:off x="6019800" y="4457700"/>
+            <a:off x="6019800" y="4305300"/>
             <a:ext cx="1143000" cy="533400"/>
           </a:xfrm>
           <a:prstGeom prst="ellipse">
@@ -6698,8 +6700,8 @@
         </p:nvSpPr>
         <p:spPr>
           <a:xfrm>
-            <a:off x="7620000" y="3924300"/>
-            <a:ext cx="1904689" cy="369332"/>
+            <a:off x="7467600" y="4152900"/>
+            <a:ext cx="1712328" cy="338554"/>
           </a:xfrm>
           <a:prstGeom prst="rect">
             <a:avLst/>
@@ -6713,10 +6715,10 @@
           <a:lstStyle/>
           <a:p>
             <a:r>
-              <a:rPr lang="en-US" dirty="0" smtClean="0"/>
+              <a:rPr lang="en-US" sz="1600" dirty="0" smtClean="0"/>
               <a:t>Curl 172.17.0.8:80</a:t>
             </a:r>
-            <a:endParaRPr lang="en-US" dirty="0"/>
+            <a:endParaRPr lang="en-US" sz="1600" dirty="0"/>
           </a:p>
         </p:txBody>
       </p:sp>
@@ -6732,7 +6734,7 @@
         <p:spPr>
           <a:xfrm flipH="1" flipV="1">
             <a:off x="7268516" y="3892034"/>
-            <a:ext cx="351484" cy="216932"/>
+            <a:ext cx="199084" cy="430143"/>
           </a:xfrm>
           <a:prstGeom prst="straightConnector1">
             <a:avLst/>
@@ -6768,7 +6770,7 @@
         <p:spPr>
           <a:xfrm>
             <a:off x="6415558" y="4076700"/>
-            <a:ext cx="175742" cy="381000"/>
+            <a:ext cx="175742" cy="228600"/>
           </a:xfrm>
           <a:prstGeom prst="straightConnector1">
             <a:avLst/>
@@ -8178,6 +8180,1874 @@
           <a:xfrm flipV="1">
             <a:off x="4572000" y="3966210"/>
             <a:ext cx="937260" cy="300990"/>
+          </a:xfrm>
+          <a:prstGeom prst="straightConnector1">
+            <a:avLst/>
+          </a:prstGeom>
+          <a:ln>
+            <a:tailEnd type="arrow"/>
+          </a:ln>
+        </p:spPr>
+        <p:style>
+          <a:lnRef idx="1">
+            <a:schemeClr val="accent1"/>
+          </a:lnRef>
+          <a:fillRef idx="0">
+            <a:schemeClr val="accent1"/>
+          </a:fillRef>
+          <a:effectRef idx="0">
+            <a:schemeClr val="accent1"/>
+          </a:effectRef>
+          <a:fontRef idx="minor">
+            <a:schemeClr val="tx1"/>
+          </a:fontRef>
+        </p:style>
+      </p:cxnSp>
+    </p:spTree>
+  </p:cSld>
+  <p:clrMapOvr>
+    <a:masterClrMapping/>
+  </p:clrMapOvr>
+</p:sld>
+</file>
+
+<file path=ppt/slides/slide16.xml><?xml version="1.0" encoding="utf-8"?>
+<p:sld xmlns:a="http://schemas.openxmlformats.org/drawingml/2006/main" xmlns:r="http://schemas.openxmlformats.org/officeDocument/2006/relationships" xmlns:p="http://schemas.openxmlformats.org/presentationml/2006/main">
+  <p:cSld>
+    <p:spTree>
+      <p:nvGrpSpPr>
+        <p:cNvPr id="1" name=""/>
+        <p:cNvGrpSpPr/>
+        <p:nvPr/>
+      </p:nvGrpSpPr>
+      <p:grpSpPr>
+        <a:xfrm>
+          <a:off x="0" y="0"/>
+          <a:ext cx="0" cy="0"/>
+          <a:chOff x="0" y="0"/>
+          <a:chExt cx="0" cy="0"/>
+        </a:xfrm>
+      </p:grpSpPr>
+      <p:sp>
+        <p:nvSpPr>
+          <p:cNvPr id="2" name="Rectangle 1"/>
+          <p:cNvSpPr/>
+          <p:nvPr/>
+        </p:nvSpPr>
+        <p:spPr>
+          <a:xfrm>
+            <a:off x="5638800" y="495300"/>
+            <a:ext cx="1524000" cy="1066800"/>
+          </a:xfrm>
+          <a:prstGeom prst="rect">
+            <a:avLst/>
+          </a:prstGeom>
+        </p:spPr>
+        <p:style>
+          <a:lnRef idx="2">
+            <a:schemeClr val="accent1">
+              <a:shade val="50000"/>
+            </a:schemeClr>
+          </a:lnRef>
+          <a:fillRef idx="1">
+            <a:schemeClr val="accent1"/>
+          </a:fillRef>
+          <a:effectRef idx="0">
+            <a:schemeClr val="accent1"/>
+          </a:effectRef>
+          <a:fontRef idx="minor">
+            <a:schemeClr val="lt1"/>
+          </a:fontRef>
+        </p:style>
+        <p:txBody>
+          <a:bodyPr rtlCol="0" anchor="ctr"/>
+          <a:lstStyle/>
+          <a:p>
+            <a:pPr algn="ctr"/>
+            <a:r>
+              <a:rPr lang="en-US" dirty="0" smtClean="0"/>
+              <a:t>Tomcat</a:t>
+            </a:r>
+          </a:p>
+          <a:p>
+            <a:pPr algn="ctr"/>
+            <a:r>
+              <a:rPr lang="en-US" dirty="0" smtClean="0"/>
+              <a:t>App war</a:t>
+            </a:r>
+            <a:endParaRPr lang="en-US" dirty="0"/>
+          </a:p>
+        </p:txBody>
+      </p:sp>
+      <p:cxnSp>
+        <p:nvCxnSpPr>
+          <p:cNvPr id="4" name="Straight Arrow Connector 3"/>
+          <p:cNvCxnSpPr>
+            <a:stCxn id="2" idx="3"/>
+            <a:endCxn id="5" idx="2"/>
+          </p:cNvCxnSpPr>
+          <p:nvPr/>
+        </p:nvCxnSpPr>
+        <p:spPr>
+          <a:xfrm>
+            <a:off x="7162800" y="1028700"/>
+            <a:ext cx="762000" cy="38100"/>
+          </a:xfrm>
+          <a:prstGeom prst="straightConnector1">
+            <a:avLst/>
+          </a:prstGeom>
+          <a:ln>
+            <a:tailEnd type="arrow"/>
+          </a:ln>
+        </p:spPr>
+        <p:style>
+          <a:lnRef idx="1">
+            <a:schemeClr val="accent1"/>
+          </a:lnRef>
+          <a:fillRef idx="0">
+            <a:schemeClr val="accent1"/>
+          </a:fillRef>
+          <a:effectRef idx="0">
+            <a:schemeClr val="accent1"/>
+          </a:effectRef>
+          <a:fontRef idx="minor">
+            <a:schemeClr val="tx1"/>
+          </a:fontRef>
+        </p:style>
+      </p:cxnSp>
+      <p:sp>
+        <p:nvSpPr>
+          <p:cNvPr id="5" name="Can 4"/>
+          <p:cNvSpPr/>
+          <p:nvPr/>
+        </p:nvSpPr>
+        <p:spPr>
+          <a:xfrm>
+            <a:off x="7924800" y="647700"/>
+            <a:ext cx="762000" cy="838200"/>
+          </a:xfrm>
+          <a:prstGeom prst="can">
+            <a:avLst/>
+          </a:prstGeom>
+        </p:spPr>
+        <p:style>
+          <a:lnRef idx="2">
+            <a:schemeClr val="accent1">
+              <a:shade val="50000"/>
+            </a:schemeClr>
+          </a:lnRef>
+          <a:fillRef idx="1">
+            <a:schemeClr val="accent1"/>
+          </a:fillRef>
+          <a:effectRef idx="0">
+            <a:schemeClr val="accent1"/>
+          </a:effectRef>
+          <a:fontRef idx="minor">
+            <a:schemeClr val="lt1"/>
+          </a:fontRef>
+        </p:style>
+        <p:txBody>
+          <a:bodyPr rtlCol="0" anchor="ctr"/>
+          <a:lstStyle/>
+          <a:p>
+            <a:pPr algn="ctr"/>
+            <a:r>
+              <a:rPr lang="en-US" dirty="0" err="1" smtClean="0"/>
+              <a:t>mysql</a:t>
+            </a:r>
+            <a:endParaRPr lang="en-US" dirty="0"/>
+          </a:p>
+        </p:txBody>
+      </p:sp>
+      <p:sp>
+        <p:nvSpPr>
+          <p:cNvPr id="6" name="TextBox 5"/>
+          <p:cNvSpPr txBox="1"/>
+          <p:nvPr/>
+        </p:nvSpPr>
+        <p:spPr>
+          <a:xfrm>
+            <a:off x="5486400" y="1562100"/>
+            <a:ext cx="1824538" cy="369332"/>
+          </a:xfrm>
+          <a:prstGeom prst="rect">
+            <a:avLst/>
+          </a:prstGeom>
+          <a:noFill/>
+        </p:spPr>
+        <p:txBody>
+          <a:bodyPr wrap="none" rtlCol="0">
+            <a:spAutoFit/>
+          </a:bodyPr>
+          <a:lstStyle/>
+          <a:p>
+            <a:r>
+              <a:rPr lang="en-US" dirty="0" smtClean="0"/>
+              <a:t>12.34.56.78:8080</a:t>
+            </a:r>
+            <a:endParaRPr lang="en-US" dirty="0"/>
+          </a:p>
+        </p:txBody>
+      </p:sp>
+      <p:sp>
+        <p:nvSpPr>
+          <p:cNvPr id="7" name="TextBox 6"/>
+          <p:cNvSpPr txBox="1"/>
+          <p:nvPr/>
+        </p:nvSpPr>
+        <p:spPr>
+          <a:xfrm>
+            <a:off x="7471862" y="1485900"/>
+            <a:ext cx="1824538" cy="369332"/>
+          </a:xfrm>
+          <a:prstGeom prst="rect">
+            <a:avLst/>
+          </a:prstGeom>
+          <a:noFill/>
+        </p:spPr>
+        <p:txBody>
+          <a:bodyPr wrap="none" rtlCol="0">
+            <a:spAutoFit/>
+          </a:bodyPr>
+          <a:lstStyle/>
+          <a:p>
+            <a:r>
+              <a:rPr lang="en-US" dirty="0" smtClean="0"/>
+              <a:t>12.34.56.77:3306</a:t>
+            </a:r>
+            <a:endParaRPr lang="en-US" dirty="0"/>
+          </a:p>
+        </p:txBody>
+      </p:sp>
+      <p:sp>
+        <p:nvSpPr>
+          <p:cNvPr id="8" name="Smiley Face 7"/>
+          <p:cNvSpPr/>
+          <p:nvPr/>
+        </p:nvSpPr>
+        <p:spPr>
+          <a:xfrm>
+            <a:off x="0" y="1104900"/>
+            <a:ext cx="609600" cy="685800"/>
+          </a:xfrm>
+          <a:prstGeom prst="smileyFace">
+            <a:avLst/>
+          </a:prstGeom>
+        </p:spPr>
+        <p:style>
+          <a:lnRef idx="2">
+            <a:schemeClr val="accent1">
+              <a:shade val="50000"/>
+            </a:schemeClr>
+          </a:lnRef>
+          <a:fillRef idx="1">
+            <a:schemeClr val="accent1"/>
+          </a:fillRef>
+          <a:effectRef idx="0">
+            <a:schemeClr val="accent1"/>
+          </a:effectRef>
+          <a:fontRef idx="minor">
+            <a:schemeClr val="lt1"/>
+          </a:fontRef>
+        </p:style>
+        <p:txBody>
+          <a:bodyPr rtlCol="0" anchor="ctr"/>
+          <a:lstStyle/>
+          <a:p>
+            <a:pPr algn="ctr"/>
+            <a:endParaRPr lang="en-US"/>
+          </a:p>
+        </p:txBody>
+      </p:sp>
+      <p:cxnSp>
+        <p:nvCxnSpPr>
+          <p:cNvPr id="10" name="Straight Arrow Connector 9"/>
+          <p:cNvCxnSpPr>
+            <a:stCxn id="8" idx="6"/>
+          </p:cNvCxnSpPr>
+          <p:nvPr/>
+        </p:nvCxnSpPr>
+        <p:spPr>
+          <a:xfrm flipV="1">
+            <a:off x="609600" y="876300"/>
+            <a:ext cx="533400" cy="571500"/>
+          </a:xfrm>
+          <a:prstGeom prst="straightConnector1">
+            <a:avLst/>
+          </a:prstGeom>
+          <a:ln>
+            <a:tailEnd type="arrow"/>
+          </a:ln>
+        </p:spPr>
+        <p:style>
+          <a:lnRef idx="1">
+            <a:schemeClr val="accent1"/>
+          </a:lnRef>
+          <a:fillRef idx="0">
+            <a:schemeClr val="accent1"/>
+          </a:fillRef>
+          <a:effectRef idx="0">
+            <a:schemeClr val="accent1"/>
+          </a:effectRef>
+          <a:fontRef idx="minor">
+            <a:schemeClr val="tx1"/>
+          </a:fontRef>
+        </p:style>
+      </p:cxnSp>
+      <p:sp>
+        <p:nvSpPr>
+          <p:cNvPr id="11" name="Rectangle 10"/>
+          <p:cNvSpPr/>
+          <p:nvPr/>
+        </p:nvSpPr>
+        <p:spPr>
+          <a:xfrm>
+            <a:off x="5715000" y="2171700"/>
+            <a:ext cx="1524000" cy="1066800"/>
+          </a:xfrm>
+          <a:prstGeom prst="rect">
+            <a:avLst/>
+          </a:prstGeom>
+        </p:spPr>
+        <p:style>
+          <a:lnRef idx="2">
+            <a:schemeClr val="accent1">
+              <a:shade val="50000"/>
+            </a:schemeClr>
+          </a:lnRef>
+          <a:fillRef idx="1">
+            <a:schemeClr val="accent1"/>
+          </a:fillRef>
+          <a:effectRef idx="0">
+            <a:schemeClr val="accent1"/>
+          </a:effectRef>
+          <a:fontRef idx="minor">
+            <a:schemeClr val="lt1"/>
+          </a:fontRef>
+        </p:style>
+        <p:txBody>
+          <a:bodyPr rtlCol="0" anchor="ctr"/>
+          <a:lstStyle/>
+          <a:p>
+            <a:pPr algn="ctr"/>
+            <a:r>
+              <a:rPr lang="en-US" dirty="0" smtClean="0"/>
+              <a:t>Tomcat</a:t>
+            </a:r>
+          </a:p>
+          <a:p>
+            <a:pPr algn="ctr"/>
+            <a:r>
+              <a:rPr lang="en-US" dirty="0" smtClean="0"/>
+              <a:t>App war</a:t>
+            </a:r>
+            <a:endParaRPr lang="en-US" dirty="0"/>
+          </a:p>
+        </p:txBody>
+      </p:sp>
+      <p:sp>
+        <p:nvSpPr>
+          <p:cNvPr id="12" name="TextBox 11"/>
+          <p:cNvSpPr txBox="1"/>
+          <p:nvPr/>
+        </p:nvSpPr>
+        <p:spPr>
+          <a:xfrm>
+            <a:off x="5562600" y="3238500"/>
+            <a:ext cx="1824538" cy="369332"/>
+          </a:xfrm>
+          <a:prstGeom prst="rect">
+            <a:avLst/>
+          </a:prstGeom>
+          <a:noFill/>
+        </p:spPr>
+        <p:txBody>
+          <a:bodyPr wrap="none" rtlCol="0">
+            <a:spAutoFit/>
+          </a:bodyPr>
+          <a:lstStyle/>
+          <a:p>
+            <a:r>
+              <a:rPr lang="en-US" dirty="0" smtClean="0"/>
+              <a:t>12.34.56.79:8080</a:t>
+            </a:r>
+            <a:endParaRPr lang="en-US" dirty="0"/>
+          </a:p>
+        </p:txBody>
+      </p:sp>
+      <p:cxnSp>
+        <p:nvCxnSpPr>
+          <p:cNvPr id="14" name="Straight Arrow Connector 13"/>
+          <p:cNvCxnSpPr>
+            <a:stCxn id="11" idx="3"/>
+            <a:endCxn id="5" idx="2"/>
+          </p:cNvCxnSpPr>
+          <p:nvPr/>
+        </p:nvCxnSpPr>
+        <p:spPr>
+          <a:xfrm flipV="1">
+            <a:off x="7239000" y="1066800"/>
+            <a:ext cx="685800" cy="1638300"/>
+          </a:xfrm>
+          <a:prstGeom prst="straightConnector1">
+            <a:avLst/>
+          </a:prstGeom>
+          <a:ln>
+            <a:tailEnd type="arrow"/>
+          </a:ln>
+        </p:spPr>
+        <p:style>
+          <a:lnRef idx="1">
+            <a:schemeClr val="accent1"/>
+          </a:lnRef>
+          <a:fillRef idx="0">
+            <a:schemeClr val="accent1"/>
+          </a:fillRef>
+          <a:effectRef idx="0">
+            <a:schemeClr val="accent1"/>
+          </a:effectRef>
+          <a:fontRef idx="minor">
+            <a:schemeClr val="tx1"/>
+          </a:fontRef>
+        </p:style>
+      </p:cxnSp>
+      <p:sp>
+        <p:nvSpPr>
+          <p:cNvPr id="18" name="Rectangle 17"/>
+          <p:cNvSpPr/>
+          <p:nvPr/>
+        </p:nvSpPr>
+        <p:spPr>
+          <a:xfrm>
+            <a:off x="2743200" y="1257300"/>
+            <a:ext cx="1524000" cy="1143000"/>
+          </a:xfrm>
+          <a:prstGeom prst="rect">
+            <a:avLst/>
+          </a:prstGeom>
+        </p:spPr>
+        <p:style>
+          <a:lnRef idx="2">
+            <a:schemeClr val="accent1">
+              <a:shade val="50000"/>
+            </a:schemeClr>
+          </a:lnRef>
+          <a:fillRef idx="1">
+            <a:schemeClr val="accent1"/>
+          </a:fillRef>
+          <a:effectRef idx="0">
+            <a:schemeClr val="accent1"/>
+          </a:effectRef>
+          <a:fontRef idx="minor">
+            <a:schemeClr val="lt1"/>
+          </a:fontRef>
+        </p:style>
+        <p:txBody>
+          <a:bodyPr rtlCol="0" anchor="ctr"/>
+          <a:lstStyle/>
+          <a:p>
+            <a:pPr algn="ctr"/>
+            <a:r>
+              <a:rPr lang="en-US" dirty="0" smtClean="0"/>
+              <a:t>Lb</a:t>
+            </a:r>
+          </a:p>
+          <a:p>
+            <a:pPr algn="ctr"/>
+            <a:r>
+              <a:rPr lang="en-US" dirty="0" smtClean="0"/>
+              <a:t>ha-proxy</a:t>
+            </a:r>
+            <a:endParaRPr lang="en-US" dirty="0"/>
+          </a:p>
+        </p:txBody>
+      </p:sp>
+      <p:sp>
+        <p:nvSpPr>
+          <p:cNvPr id="19" name="TextBox 18"/>
+          <p:cNvSpPr txBox="1"/>
+          <p:nvPr/>
+        </p:nvSpPr>
+        <p:spPr>
+          <a:xfrm>
+            <a:off x="2595062" y="887968"/>
+            <a:ext cx="1824538" cy="369332"/>
+          </a:xfrm>
+          <a:prstGeom prst="rect">
+            <a:avLst/>
+          </a:prstGeom>
+          <a:noFill/>
+        </p:spPr>
+        <p:txBody>
+          <a:bodyPr wrap="none" rtlCol="0">
+            <a:spAutoFit/>
+          </a:bodyPr>
+          <a:lstStyle/>
+          <a:p>
+            <a:r>
+              <a:rPr lang="en-US" dirty="0" smtClean="0"/>
+              <a:t>12.34.56.80:8888</a:t>
+            </a:r>
+            <a:endParaRPr lang="en-US" dirty="0"/>
+          </a:p>
+        </p:txBody>
+      </p:sp>
+      <p:sp>
+        <p:nvSpPr>
+          <p:cNvPr id="20" name="TextBox 19"/>
+          <p:cNvSpPr txBox="1"/>
+          <p:nvPr/>
+        </p:nvSpPr>
+        <p:spPr>
+          <a:xfrm>
+            <a:off x="2667000" y="2400300"/>
+            <a:ext cx="2089033" cy="923330"/>
+          </a:xfrm>
+          <a:prstGeom prst="rect">
+            <a:avLst/>
+          </a:prstGeom>
+          <a:noFill/>
+        </p:spPr>
+        <p:txBody>
+          <a:bodyPr wrap="none" rtlCol="0">
+            <a:spAutoFit/>
+          </a:bodyPr>
+          <a:lstStyle/>
+          <a:p>
+            <a:r>
+              <a:rPr lang="en-US" dirty="0" smtClean="0"/>
+              <a:t>Backend </a:t>
+            </a:r>
+            <a:r>
+              <a:rPr lang="en-US" dirty="0" err="1" smtClean="0"/>
+              <a:t>config</a:t>
+            </a:r>
+            <a:r>
+              <a:rPr lang="en-US" dirty="0" smtClean="0"/>
+              <a:t>:</a:t>
+            </a:r>
+          </a:p>
+          <a:p>
+            <a:r>
+              <a:rPr lang="en-US" dirty="0" smtClean="0"/>
+              <a:t>     12.34.56.78:8080</a:t>
+            </a:r>
+          </a:p>
+          <a:p>
+            <a:r>
+              <a:rPr lang="en-US" dirty="0" smtClean="0"/>
+              <a:t> </a:t>
+            </a:r>
+            <a:r>
+              <a:rPr lang="en-US" dirty="0" smtClean="0"/>
+              <a:t>    12.34.56.79:8080</a:t>
+            </a:r>
+          </a:p>
+        </p:txBody>
+      </p:sp>
+      <p:cxnSp>
+        <p:nvCxnSpPr>
+          <p:cNvPr id="23" name="Straight Arrow Connector 22"/>
+          <p:cNvCxnSpPr>
+            <a:stCxn id="18" idx="3"/>
+            <a:endCxn id="2" idx="1"/>
+          </p:cNvCxnSpPr>
+          <p:nvPr/>
+        </p:nvCxnSpPr>
+        <p:spPr>
+          <a:xfrm flipV="1">
+            <a:off x="4267200" y="1028700"/>
+            <a:ext cx="1371600" cy="800100"/>
+          </a:xfrm>
+          <a:prstGeom prst="straightConnector1">
+            <a:avLst/>
+          </a:prstGeom>
+          <a:ln>
+            <a:tailEnd type="arrow"/>
+          </a:ln>
+        </p:spPr>
+        <p:style>
+          <a:lnRef idx="1">
+            <a:schemeClr val="accent1"/>
+          </a:lnRef>
+          <a:fillRef idx="0">
+            <a:schemeClr val="accent1"/>
+          </a:fillRef>
+          <a:effectRef idx="0">
+            <a:schemeClr val="accent1"/>
+          </a:effectRef>
+          <a:fontRef idx="minor">
+            <a:schemeClr val="tx1"/>
+          </a:fontRef>
+        </p:style>
+      </p:cxnSp>
+      <p:cxnSp>
+        <p:nvCxnSpPr>
+          <p:cNvPr id="25" name="Straight Arrow Connector 24"/>
+          <p:cNvCxnSpPr>
+            <a:stCxn id="18" idx="3"/>
+            <a:endCxn id="11" idx="1"/>
+          </p:cNvCxnSpPr>
+          <p:nvPr/>
+        </p:nvCxnSpPr>
+        <p:spPr>
+          <a:xfrm>
+            <a:off x="4267200" y="1828800"/>
+            <a:ext cx="1447800" cy="876300"/>
+          </a:xfrm>
+          <a:prstGeom prst="straightConnector1">
+            <a:avLst/>
+          </a:prstGeom>
+          <a:ln>
+            <a:tailEnd type="arrow"/>
+          </a:ln>
+        </p:spPr>
+        <p:style>
+          <a:lnRef idx="1">
+            <a:schemeClr val="accent1"/>
+          </a:lnRef>
+          <a:fillRef idx="0">
+            <a:schemeClr val="accent1"/>
+          </a:fillRef>
+          <a:effectRef idx="0">
+            <a:schemeClr val="accent1"/>
+          </a:effectRef>
+          <a:fontRef idx="minor">
+            <a:schemeClr val="tx1"/>
+          </a:fontRef>
+        </p:style>
+      </p:cxnSp>
+      <p:sp>
+        <p:nvSpPr>
+          <p:cNvPr id="30" name="Rectangle 29"/>
+          <p:cNvSpPr/>
+          <p:nvPr/>
+        </p:nvSpPr>
+        <p:spPr>
+          <a:xfrm>
+            <a:off x="0" y="1866900"/>
+            <a:ext cx="1157176" cy="369332"/>
+          </a:xfrm>
+          <a:prstGeom prst="rect">
+            <a:avLst/>
+          </a:prstGeom>
+        </p:spPr>
+        <p:txBody>
+          <a:bodyPr wrap="none">
+            <a:spAutoFit/>
+          </a:bodyPr>
+          <a:lstStyle/>
+          <a:p>
+            <a:r>
+              <a:rPr lang="en-US" dirty="0" smtClean="0"/>
+              <a:t>prod:8888</a:t>
+            </a:r>
+            <a:endParaRPr lang="en-US" dirty="0"/>
+          </a:p>
+        </p:txBody>
+      </p:sp>
+      <p:sp>
+        <p:nvSpPr>
+          <p:cNvPr id="31" name="Oval 30"/>
+          <p:cNvSpPr/>
+          <p:nvPr/>
+        </p:nvSpPr>
+        <p:spPr>
+          <a:xfrm>
+            <a:off x="1066800" y="0"/>
+            <a:ext cx="1524000" cy="1028700"/>
+          </a:xfrm>
+          <a:prstGeom prst="ellipse">
+            <a:avLst/>
+          </a:prstGeom>
+        </p:spPr>
+        <p:style>
+          <a:lnRef idx="2">
+            <a:schemeClr val="accent1">
+              <a:shade val="50000"/>
+            </a:schemeClr>
+          </a:lnRef>
+          <a:fillRef idx="1">
+            <a:schemeClr val="accent1"/>
+          </a:fillRef>
+          <a:effectRef idx="0">
+            <a:schemeClr val="accent1"/>
+          </a:effectRef>
+          <a:fontRef idx="minor">
+            <a:schemeClr val="lt1"/>
+          </a:fontRef>
+        </p:style>
+        <p:txBody>
+          <a:bodyPr rtlCol="0" anchor="ctr"/>
+          <a:lstStyle/>
+          <a:p>
+            <a:pPr algn="ctr"/>
+            <a:r>
+              <a:rPr lang="en-US" dirty="0" err="1" smtClean="0"/>
+              <a:t>Dns</a:t>
+            </a:r>
+            <a:endParaRPr lang="en-US" dirty="0" smtClean="0"/>
+          </a:p>
+          <a:p>
+            <a:pPr algn="ctr"/>
+            <a:r>
+              <a:rPr lang="en-US" dirty="0" smtClean="0"/>
+              <a:t>Prod-&gt;  </a:t>
+            </a:r>
+            <a:r>
+              <a:rPr lang="en-US" sz="1400" dirty="0" smtClean="0"/>
+              <a:t>12.34.56.80</a:t>
+            </a:r>
+            <a:endParaRPr lang="en-US" dirty="0"/>
+          </a:p>
+        </p:txBody>
+      </p:sp>
+      <p:cxnSp>
+        <p:nvCxnSpPr>
+          <p:cNvPr id="34" name="Straight Arrow Connector 33"/>
+          <p:cNvCxnSpPr>
+            <a:stCxn id="31" idx="4"/>
+            <a:endCxn id="8" idx="5"/>
+          </p:cNvCxnSpPr>
+          <p:nvPr/>
+        </p:nvCxnSpPr>
+        <p:spPr>
+          <a:xfrm flipH="1">
+            <a:off x="520326" y="1028700"/>
+            <a:ext cx="1308474" cy="661567"/>
+          </a:xfrm>
+          <a:prstGeom prst="straightConnector1">
+            <a:avLst/>
+          </a:prstGeom>
+          <a:ln>
+            <a:tailEnd type="arrow"/>
+          </a:ln>
+        </p:spPr>
+        <p:style>
+          <a:lnRef idx="1">
+            <a:schemeClr val="accent1"/>
+          </a:lnRef>
+          <a:fillRef idx="0">
+            <a:schemeClr val="accent1"/>
+          </a:fillRef>
+          <a:effectRef idx="0">
+            <a:schemeClr val="accent1"/>
+          </a:effectRef>
+          <a:fontRef idx="minor">
+            <a:schemeClr val="tx1"/>
+          </a:fontRef>
+        </p:style>
+      </p:cxnSp>
+      <p:sp>
+        <p:nvSpPr>
+          <p:cNvPr id="35" name="Rectangle 34"/>
+          <p:cNvSpPr/>
+          <p:nvPr/>
+        </p:nvSpPr>
+        <p:spPr>
+          <a:xfrm>
+            <a:off x="609600" y="952500"/>
+            <a:ext cx="528030" cy="307777"/>
+          </a:xfrm>
+          <a:prstGeom prst="rect">
+            <a:avLst/>
+          </a:prstGeom>
+        </p:spPr>
+        <p:txBody>
+          <a:bodyPr wrap="none">
+            <a:spAutoFit/>
+          </a:bodyPr>
+          <a:lstStyle/>
+          <a:p>
+            <a:r>
+              <a:rPr lang="en-US" sz="1400" dirty="0" smtClean="0"/>
+              <a:t>prod</a:t>
+            </a:r>
+            <a:endParaRPr lang="en-US" dirty="0"/>
+          </a:p>
+        </p:txBody>
+      </p:sp>
+      <p:sp>
+        <p:nvSpPr>
+          <p:cNvPr id="36" name="Rectangle 35"/>
+          <p:cNvSpPr/>
+          <p:nvPr/>
+        </p:nvSpPr>
+        <p:spPr>
+          <a:xfrm>
+            <a:off x="762000" y="1181100"/>
+            <a:ext cx="1050288" cy="307777"/>
+          </a:xfrm>
+          <a:prstGeom prst="rect">
+            <a:avLst/>
+          </a:prstGeom>
+        </p:spPr>
+        <p:txBody>
+          <a:bodyPr wrap="none">
+            <a:spAutoFit/>
+          </a:bodyPr>
+          <a:lstStyle/>
+          <a:p>
+            <a:r>
+              <a:rPr lang="en-US" sz="1400" dirty="0" smtClean="0"/>
+              <a:t>12.34.56.80</a:t>
+            </a:r>
+            <a:endParaRPr lang="en-US" sz="1400" dirty="0"/>
+          </a:p>
+        </p:txBody>
+      </p:sp>
+      <p:cxnSp>
+        <p:nvCxnSpPr>
+          <p:cNvPr id="38" name="Straight Arrow Connector 37"/>
+          <p:cNvCxnSpPr>
+            <a:endCxn id="19" idx="1"/>
+          </p:cNvCxnSpPr>
+          <p:nvPr/>
+        </p:nvCxnSpPr>
+        <p:spPr>
+          <a:xfrm flipV="1">
+            <a:off x="381000" y="1072634"/>
+            <a:ext cx="2214062" cy="718066"/>
+          </a:xfrm>
+          <a:prstGeom prst="straightConnector1">
+            <a:avLst/>
+          </a:prstGeom>
+          <a:ln>
+            <a:tailEnd type="arrow"/>
+          </a:ln>
+        </p:spPr>
+        <p:style>
+          <a:lnRef idx="1">
+            <a:schemeClr val="accent1"/>
+          </a:lnRef>
+          <a:fillRef idx="0">
+            <a:schemeClr val="accent1"/>
+          </a:fillRef>
+          <a:effectRef idx="0">
+            <a:schemeClr val="accent1"/>
+          </a:effectRef>
+          <a:fontRef idx="minor">
+            <a:schemeClr val="tx1"/>
+          </a:fontRef>
+        </p:style>
+      </p:cxnSp>
+      <p:sp>
+        <p:nvSpPr>
+          <p:cNvPr id="39" name="Rectangle 38"/>
+          <p:cNvSpPr/>
+          <p:nvPr/>
+        </p:nvSpPr>
+        <p:spPr>
+          <a:xfrm>
+            <a:off x="838200" y="2324100"/>
+            <a:ext cx="1824538" cy="369332"/>
+          </a:xfrm>
+          <a:prstGeom prst="rect">
+            <a:avLst/>
+          </a:prstGeom>
+        </p:spPr>
+        <p:txBody>
+          <a:bodyPr wrap="none">
+            <a:spAutoFit/>
+          </a:bodyPr>
+          <a:lstStyle/>
+          <a:p>
+            <a:r>
+              <a:rPr lang="en-US" dirty="0" smtClean="0"/>
+              <a:t>12.34.56.80:8888</a:t>
+            </a:r>
+            <a:endParaRPr lang="en-US" dirty="0"/>
+          </a:p>
+        </p:txBody>
+      </p:sp>
+      <p:cxnSp>
+        <p:nvCxnSpPr>
+          <p:cNvPr id="41" name="Shape 40"/>
+          <p:cNvCxnSpPr>
+            <a:stCxn id="30" idx="2"/>
+            <a:endCxn id="39" idx="1"/>
+          </p:cNvCxnSpPr>
+          <p:nvPr/>
+        </p:nvCxnSpPr>
+        <p:spPr>
+          <a:xfrm rot="16200000" flipH="1">
+            <a:off x="572127" y="2242693"/>
+            <a:ext cx="272534" cy="259612"/>
+          </a:xfrm>
+          <a:prstGeom prst="bentConnector2">
+            <a:avLst/>
+          </a:prstGeom>
+          <a:ln>
+            <a:tailEnd type="arrow"/>
+          </a:ln>
+        </p:spPr>
+        <p:style>
+          <a:lnRef idx="1">
+            <a:schemeClr val="accent1"/>
+          </a:lnRef>
+          <a:fillRef idx="0">
+            <a:schemeClr val="accent1"/>
+          </a:fillRef>
+          <a:effectRef idx="0">
+            <a:schemeClr val="accent1"/>
+          </a:effectRef>
+          <a:fontRef idx="minor">
+            <a:schemeClr val="tx1"/>
+          </a:fontRef>
+        </p:style>
+      </p:cxnSp>
+      <p:sp>
+        <p:nvSpPr>
+          <p:cNvPr id="42" name="TextBox 41"/>
+          <p:cNvSpPr txBox="1"/>
+          <p:nvPr/>
+        </p:nvSpPr>
+        <p:spPr>
+          <a:xfrm>
+            <a:off x="228600" y="3695700"/>
+            <a:ext cx="4350422" cy="1477328"/>
+          </a:xfrm>
+          <a:prstGeom prst="rect">
+            <a:avLst/>
+          </a:prstGeom>
+          <a:noFill/>
+        </p:spPr>
+        <p:txBody>
+          <a:bodyPr wrap="none" rtlCol="0">
+            <a:spAutoFit/>
+          </a:bodyPr>
+          <a:lstStyle/>
+          <a:p>
+            <a:r>
+              <a:rPr lang="en-US" dirty="0" smtClean="0"/>
+              <a:t>IP : 12.34.56.80      </a:t>
+            </a:r>
+            <a:r>
+              <a:rPr lang="en-US" dirty="0" smtClean="0">
+                <a:sym typeface="Wingdings" pitchFamily="2" charset="2"/>
+              </a:rPr>
+              <a:t> </a:t>
+            </a:r>
+            <a:r>
+              <a:rPr lang="en-US" dirty="0" smtClean="0">
+                <a:sym typeface="Wingdings" pitchFamily="2" charset="2"/>
+              </a:rPr>
+              <a:t>SVC IP: </a:t>
+            </a:r>
+            <a:r>
+              <a:rPr lang="en-US" dirty="0" smtClean="0">
+                <a:sym typeface="Wingdings" pitchFamily="2" charset="2"/>
+              </a:rPr>
+              <a:t>10.107.79.95</a:t>
+            </a:r>
+            <a:endParaRPr lang="en-US" dirty="0" smtClean="0"/>
+          </a:p>
+          <a:p>
+            <a:r>
+              <a:rPr lang="en-US" dirty="0" smtClean="0"/>
+              <a:t>Port: 8888               </a:t>
+            </a:r>
+            <a:r>
+              <a:rPr lang="en-US" dirty="0" smtClean="0">
+                <a:sym typeface="Wingdings" pitchFamily="2" charset="2"/>
+              </a:rPr>
+              <a:t> SVC Port: 8888</a:t>
+            </a:r>
+            <a:endParaRPr lang="en-US" dirty="0" smtClean="0"/>
+          </a:p>
+          <a:p>
+            <a:r>
+              <a:rPr lang="en-US" dirty="0" smtClean="0"/>
+              <a:t>EP 1: 12.34.56.78   </a:t>
+            </a:r>
+            <a:r>
+              <a:rPr lang="en-US" dirty="0" smtClean="0">
+                <a:sym typeface="Wingdings" pitchFamily="2" charset="2"/>
+              </a:rPr>
+              <a:t> SVC EP: 172.17.0.2:80,</a:t>
+            </a:r>
+            <a:endParaRPr lang="en-US" dirty="0" smtClean="0"/>
+          </a:p>
+          <a:p>
+            <a:r>
+              <a:rPr lang="en-US" dirty="0" smtClean="0"/>
+              <a:t>EP </a:t>
+            </a:r>
+            <a:r>
+              <a:rPr lang="en-US" dirty="0" smtClean="0"/>
+              <a:t>2: 12.34.56.79</a:t>
+            </a:r>
+            <a:endParaRPr lang="en-US" dirty="0" smtClean="0"/>
+          </a:p>
+          <a:p>
+            <a:r>
+              <a:rPr lang="en-US" dirty="0" smtClean="0"/>
+              <a:t>Target Port: 8080    </a:t>
+            </a:r>
+            <a:r>
+              <a:rPr lang="en-US" dirty="0" smtClean="0">
+                <a:sym typeface="Wingdings" pitchFamily="2" charset="2"/>
+              </a:rPr>
+              <a:t> </a:t>
+            </a:r>
+            <a:r>
+              <a:rPr lang="en-US" dirty="0" smtClean="0">
+                <a:sym typeface="Wingdings" pitchFamily="2" charset="2"/>
+              </a:rPr>
+              <a:t>SVC TP: 80</a:t>
+            </a:r>
+            <a:r>
+              <a:rPr lang="en-US" dirty="0" smtClean="0"/>
+              <a:t> </a:t>
+            </a:r>
+            <a:endParaRPr lang="en-US" dirty="0"/>
+          </a:p>
+        </p:txBody>
+      </p:sp>
+    </p:spTree>
+  </p:cSld>
+  <p:clrMapOvr>
+    <a:masterClrMapping/>
+  </p:clrMapOvr>
+</p:sld>
+</file>
+
+<file path=ppt/slides/slide17.xml><?xml version="1.0" encoding="utf-8"?>
+<p:sld xmlns:a="http://schemas.openxmlformats.org/drawingml/2006/main" xmlns:r="http://schemas.openxmlformats.org/officeDocument/2006/relationships" xmlns:p="http://schemas.openxmlformats.org/presentationml/2006/main">
+  <p:cSld>
+    <p:spTree>
+      <p:nvGrpSpPr>
+        <p:cNvPr id="1" name=""/>
+        <p:cNvGrpSpPr/>
+        <p:nvPr/>
+      </p:nvGrpSpPr>
+      <p:grpSpPr>
+        <a:xfrm>
+          <a:off x="0" y="0"/>
+          <a:ext cx="0" cy="0"/>
+          <a:chOff x="0" y="0"/>
+          <a:chExt cx="0" cy="0"/>
+        </a:xfrm>
+      </p:grpSpPr>
+      <p:sp>
+        <p:nvSpPr>
+          <p:cNvPr id="2" name="Rectangle 1"/>
+          <p:cNvSpPr/>
+          <p:nvPr/>
+        </p:nvSpPr>
+        <p:spPr>
+          <a:xfrm>
+            <a:off x="3733800" y="266700"/>
+            <a:ext cx="4876800" cy="4953000"/>
+          </a:xfrm>
+          <a:prstGeom prst="rect">
+            <a:avLst/>
+          </a:prstGeom>
+          <a:noFill/>
+        </p:spPr>
+        <p:style>
+          <a:lnRef idx="2">
+            <a:schemeClr val="accent1">
+              <a:shade val="50000"/>
+            </a:schemeClr>
+          </a:lnRef>
+          <a:fillRef idx="1">
+            <a:schemeClr val="accent1"/>
+          </a:fillRef>
+          <a:effectRef idx="0">
+            <a:schemeClr val="accent1"/>
+          </a:effectRef>
+          <a:fontRef idx="minor">
+            <a:schemeClr val="lt1"/>
+          </a:fontRef>
+        </p:style>
+        <p:txBody>
+          <a:bodyPr rtlCol="0" anchor="ctr"/>
+          <a:lstStyle/>
+          <a:p>
+            <a:pPr algn="ctr"/>
+            <a:endParaRPr lang="en-US"/>
+          </a:p>
+        </p:txBody>
+      </p:sp>
+      <p:sp>
+        <p:nvSpPr>
+          <p:cNvPr id="3" name="TextBox 2"/>
+          <p:cNvSpPr txBox="1"/>
+          <p:nvPr/>
+        </p:nvSpPr>
+        <p:spPr>
+          <a:xfrm>
+            <a:off x="3733800" y="266700"/>
+            <a:ext cx="2583015" cy="369332"/>
+          </a:xfrm>
+          <a:prstGeom prst="rect">
+            <a:avLst/>
+          </a:prstGeom>
+          <a:noFill/>
+        </p:spPr>
+        <p:txBody>
+          <a:bodyPr wrap="none" rtlCol="0">
+            <a:spAutoFit/>
+          </a:bodyPr>
+          <a:lstStyle/>
+          <a:p>
+            <a:r>
+              <a:rPr lang="en-US" dirty="0" err="1" smtClean="0"/>
+              <a:t>Minikube</a:t>
+            </a:r>
+            <a:r>
+              <a:rPr lang="en-US" dirty="0" smtClean="0"/>
+              <a:t> 192.168.99.100</a:t>
+            </a:r>
+            <a:endParaRPr lang="en-US" dirty="0"/>
+          </a:p>
+        </p:txBody>
+      </p:sp>
+      <p:sp>
+        <p:nvSpPr>
+          <p:cNvPr id="4" name="Rectangle 3"/>
+          <p:cNvSpPr/>
+          <p:nvPr/>
+        </p:nvSpPr>
+        <p:spPr>
+          <a:xfrm>
+            <a:off x="5715000" y="2400300"/>
+            <a:ext cx="2819400" cy="1524000"/>
+          </a:xfrm>
+          <a:prstGeom prst="rect">
+            <a:avLst/>
+          </a:prstGeom>
+          <a:noFill/>
+        </p:spPr>
+        <p:style>
+          <a:lnRef idx="2">
+            <a:schemeClr val="accent1">
+              <a:shade val="50000"/>
+            </a:schemeClr>
+          </a:lnRef>
+          <a:fillRef idx="1">
+            <a:schemeClr val="accent1"/>
+          </a:fillRef>
+          <a:effectRef idx="0">
+            <a:schemeClr val="accent1"/>
+          </a:effectRef>
+          <a:fontRef idx="minor">
+            <a:schemeClr val="lt1"/>
+          </a:fontRef>
+        </p:style>
+        <p:txBody>
+          <a:bodyPr rtlCol="0" anchor="ctr"/>
+          <a:lstStyle/>
+          <a:p>
+            <a:pPr algn="ctr"/>
+            <a:endParaRPr lang="en-US"/>
+          </a:p>
+        </p:txBody>
+      </p:sp>
+      <p:sp>
+        <p:nvSpPr>
+          <p:cNvPr id="5" name="Oval 4"/>
+          <p:cNvSpPr/>
+          <p:nvPr/>
+        </p:nvSpPr>
+        <p:spPr>
+          <a:xfrm>
+            <a:off x="6324600" y="2552700"/>
+            <a:ext cx="2133600" cy="1219200"/>
+          </a:xfrm>
+          <a:prstGeom prst="ellipse">
+            <a:avLst/>
+          </a:prstGeom>
+        </p:spPr>
+        <p:style>
+          <a:lnRef idx="2">
+            <a:schemeClr val="accent1">
+              <a:shade val="50000"/>
+            </a:schemeClr>
+          </a:lnRef>
+          <a:fillRef idx="1">
+            <a:schemeClr val="accent1"/>
+          </a:fillRef>
+          <a:effectRef idx="0">
+            <a:schemeClr val="accent1"/>
+          </a:effectRef>
+          <a:fontRef idx="minor">
+            <a:schemeClr val="lt1"/>
+          </a:fontRef>
+        </p:style>
+        <p:txBody>
+          <a:bodyPr rtlCol="0" anchor="ctr"/>
+          <a:lstStyle/>
+          <a:p>
+            <a:pPr algn="ctr"/>
+            <a:r>
+              <a:rPr lang="en-US" dirty="0" smtClean="0"/>
+              <a:t>Nginx:80</a:t>
+            </a:r>
+          </a:p>
+          <a:p>
+            <a:pPr algn="ctr"/>
+            <a:r>
+              <a:rPr lang="en-US" dirty="0" smtClean="0"/>
+              <a:t>Curl 10.217.56.89:8888</a:t>
+            </a:r>
+            <a:endParaRPr lang="en-US" dirty="0"/>
+          </a:p>
+        </p:txBody>
+      </p:sp>
+      <p:sp>
+        <p:nvSpPr>
+          <p:cNvPr id="6" name="TextBox 5"/>
+          <p:cNvSpPr txBox="1"/>
+          <p:nvPr/>
+        </p:nvSpPr>
+        <p:spPr>
+          <a:xfrm>
+            <a:off x="6019800" y="2095500"/>
+            <a:ext cx="1650003" cy="369332"/>
+          </a:xfrm>
+          <a:prstGeom prst="rect">
+            <a:avLst/>
+          </a:prstGeom>
+          <a:noFill/>
+        </p:spPr>
+        <p:txBody>
+          <a:bodyPr wrap="none" rtlCol="0">
+            <a:spAutoFit/>
+          </a:bodyPr>
+          <a:lstStyle/>
+          <a:p>
+            <a:r>
+              <a:rPr lang="en-US" dirty="0" smtClean="0"/>
+              <a:t>Pod: 172.17.0.2</a:t>
+            </a:r>
+            <a:endParaRPr lang="en-US" dirty="0"/>
+          </a:p>
+        </p:txBody>
+      </p:sp>
+      <p:sp>
+        <p:nvSpPr>
+          <p:cNvPr id="7" name="TextBox 6"/>
+          <p:cNvSpPr txBox="1"/>
+          <p:nvPr/>
+        </p:nvSpPr>
+        <p:spPr>
+          <a:xfrm>
+            <a:off x="4038600" y="4000500"/>
+            <a:ext cx="2048959" cy="369332"/>
+          </a:xfrm>
+          <a:prstGeom prst="rect">
+            <a:avLst/>
+          </a:prstGeom>
+          <a:noFill/>
+        </p:spPr>
+        <p:txBody>
+          <a:bodyPr wrap="none" rtlCol="0">
+            <a:spAutoFit/>
+          </a:bodyPr>
+          <a:lstStyle/>
+          <a:p>
+            <a:r>
+              <a:rPr lang="en-US" dirty="0" smtClean="0"/>
+              <a:t>$ curl 172.17.0.2:80</a:t>
+            </a:r>
+            <a:endParaRPr lang="en-US" dirty="0"/>
+          </a:p>
+        </p:txBody>
+      </p:sp>
+      <p:sp>
+        <p:nvSpPr>
+          <p:cNvPr id="8" name="TextBox 7"/>
+          <p:cNvSpPr txBox="1"/>
+          <p:nvPr/>
+        </p:nvSpPr>
+        <p:spPr>
+          <a:xfrm>
+            <a:off x="3352800" y="1714500"/>
+            <a:ext cx="769763" cy="369332"/>
+          </a:xfrm>
+          <a:prstGeom prst="rect">
+            <a:avLst/>
+          </a:prstGeom>
+          <a:noFill/>
+        </p:spPr>
+        <p:txBody>
+          <a:bodyPr wrap="none" rtlCol="0">
+            <a:spAutoFit/>
+          </a:bodyPr>
+          <a:lstStyle/>
+          <a:p>
+            <a:r>
+              <a:rPr lang="en-US" dirty="0" smtClean="0"/>
+              <a:t>31001</a:t>
+            </a:r>
+            <a:endParaRPr lang="en-US" dirty="0"/>
+          </a:p>
+        </p:txBody>
+      </p:sp>
+      <p:sp>
+        <p:nvSpPr>
+          <p:cNvPr id="9" name="TextBox 8"/>
+          <p:cNvSpPr txBox="1"/>
+          <p:nvPr/>
+        </p:nvSpPr>
+        <p:spPr>
+          <a:xfrm>
+            <a:off x="4495800" y="1562100"/>
+            <a:ext cx="902939" cy="369332"/>
+          </a:xfrm>
+          <a:prstGeom prst="rect">
+            <a:avLst/>
+          </a:prstGeom>
+          <a:noFill/>
+        </p:spPr>
+        <p:txBody>
+          <a:bodyPr wrap="none" rtlCol="0">
+            <a:spAutoFit/>
+          </a:bodyPr>
+          <a:lstStyle/>
+          <a:p>
+            <a:r>
+              <a:rPr lang="en-US" dirty="0" smtClean="0"/>
+              <a:t>Hw-svc </a:t>
+            </a:r>
+            <a:endParaRPr lang="en-US" dirty="0"/>
+          </a:p>
+        </p:txBody>
+      </p:sp>
+      <p:cxnSp>
+        <p:nvCxnSpPr>
+          <p:cNvPr id="11" name="Straight Arrow Connector 10"/>
+          <p:cNvCxnSpPr>
+            <a:stCxn id="9" idx="3"/>
+            <a:endCxn id="6" idx="0"/>
+          </p:cNvCxnSpPr>
+          <p:nvPr/>
+        </p:nvCxnSpPr>
+        <p:spPr>
+          <a:xfrm>
+            <a:off x="5398739" y="1746766"/>
+            <a:ext cx="1446063" cy="348734"/>
+          </a:xfrm>
+          <a:prstGeom prst="straightConnector1">
+            <a:avLst/>
+          </a:prstGeom>
+          <a:ln>
+            <a:tailEnd type="arrow"/>
+          </a:ln>
+        </p:spPr>
+        <p:style>
+          <a:lnRef idx="1">
+            <a:schemeClr val="accent1"/>
+          </a:lnRef>
+          <a:fillRef idx="0">
+            <a:schemeClr val="accent1"/>
+          </a:fillRef>
+          <a:effectRef idx="0">
+            <a:schemeClr val="accent1"/>
+          </a:effectRef>
+          <a:fontRef idx="minor">
+            <a:schemeClr val="tx1"/>
+          </a:fontRef>
+        </p:style>
+      </p:cxnSp>
+      <p:cxnSp>
+        <p:nvCxnSpPr>
+          <p:cNvPr id="13" name="Straight Arrow Connector 12"/>
+          <p:cNvCxnSpPr>
+            <a:stCxn id="6" idx="2"/>
+            <a:endCxn id="5" idx="0"/>
+          </p:cNvCxnSpPr>
+          <p:nvPr/>
+        </p:nvCxnSpPr>
+        <p:spPr>
+          <a:xfrm>
+            <a:off x="6844802" y="2464832"/>
+            <a:ext cx="546598" cy="87868"/>
+          </a:xfrm>
+          <a:prstGeom prst="straightConnector1">
+            <a:avLst/>
+          </a:prstGeom>
+          <a:ln>
+            <a:tailEnd type="arrow"/>
+          </a:ln>
+        </p:spPr>
+        <p:style>
+          <a:lnRef idx="1">
+            <a:schemeClr val="accent1"/>
+          </a:lnRef>
+          <a:fillRef idx="0">
+            <a:schemeClr val="accent1"/>
+          </a:fillRef>
+          <a:effectRef idx="0">
+            <a:schemeClr val="accent1"/>
+          </a:effectRef>
+          <a:fontRef idx="minor">
+            <a:schemeClr val="tx1"/>
+          </a:fontRef>
+        </p:style>
+      </p:cxnSp>
+      <p:sp>
+        <p:nvSpPr>
+          <p:cNvPr id="14" name="Rectangle 13"/>
+          <p:cNvSpPr/>
+          <p:nvPr/>
+        </p:nvSpPr>
+        <p:spPr>
+          <a:xfrm>
+            <a:off x="381000" y="3619500"/>
+            <a:ext cx="3124200" cy="1295400"/>
+          </a:xfrm>
+          <a:prstGeom prst="rect">
+            <a:avLst/>
+          </a:prstGeom>
+          <a:noFill/>
+        </p:spPr>
+        <p:style>
+          <a:lnRef idx="2">
+            <a:schemeClr val="accent1">
+              <a:shade val="50000"/>
+            </a:schemeClr>
+          </a:lnRef>
+          <a:fillRef idx="1">
+            <a:schemeClr val="accent1"/>
+          </a:fillRef>
+          <a:effectRef idx="0">
+            <a:schemeClr val="accent1"/>
+          </a:effectRef>
+          <a:fontRef idx="minor">
+            <a:schemeClr val="lt1"/>
+          </a:fontRef>
+        </p:style>
+        <p:txBody>
+          <a:bodyPr rtlCol="0" anchor="ctr"/>
+          <a:lstStyle/>
+          <a:p>
+            <a:pPr algn="ctr"/>
+            <a:endParaRPr lang="en-US"/>
+          </a:p>
+        </p:txBody>
+      </p:sp>
+      <p:sp>
+        <p:nvSpPr>
+          <p:cNvPr id="15" name="Rectangle 14"/>
+          <p:cNvSpPr/>
+          <p:nvPr/>
+        </p:nvSpPr>
+        <p:spPr>
+          <a:xfrm>
+            <a:off x="457200" y="3695700"/>
+            <a:ext cx="2971800" cy="304800"/>
+          </a:xfrm>
+          <a:prstGeom prst="rect">
+            <a:avLst/>
+          </a:prstGeom>
+        </p:spPr>
+        <p:style>
+          <a:lnRef idx="2">
+            <a:schemeClr val="accent1">
+              <a:shade val="50000"/>
+            </a:schemeClr>
+          </a:lnRef>
+          <a:fillRef idx="1">
+            <a:schemeClr val="accent1"/>
+          </a:fillRef>
+          <a:effectRef idx="0">
+            <a:schemeClr val="accent1"/>
+          </a:effectRef>
+          <a:fontRef idx="minor">
+            <a:schemeClr val="lt1"/>
+          </a:fontRef>
+        </p:style>
+        <p:txBody>
+          <a:bodyPr rtlCol="0" anchor="ctr"/>
+          <a:lstStyle/>
+          <a:p>
+            <a:pPr algn="ctr"/>
+            <a:r>
+              <a:rPr lang="en-US" dirty="0" smtClean="0"/>
+              <a:t>http://192.168.99.100:31001</a:t>
+            </a:r>
+            <a:endParaRPr lang="en-US" dirty="0"/>
+          </a:p>
+        </p:txBody>
+      </p:sp>
+      <p:cxnSp>
+        <p:nvCxnSpPr>
+          <p:cNvPr id="17" name="Straight Arrow Connector 16"/>
+          <p:cNvCxnSpPr>
+            <a:endCxn id="8" idx="1"/>
+          </p:cNvCxnSpPr>
+          <p:nvPr/>
+        </p:nvCxnSpPr>
+        <p:spPr>
+          <a:xfrm flipV="1">
+            <a:off x="2895600" y="1899166"/>
+            <a:ext cx="457200" cy="1872734"/>
+          </a:xfrm>
+          <a:prstGeom prst="straightConnector1">
+            <a:avLst/>
+          </a:prstGeom>
+          <a:ln>
+            <a:tailEnd type="arrow"/>
+          </a:ln>
+        </p:spPr>
+        <p:style>
+          <a:lnRef idx="1">
+            <a:schemeClr val="accent1"/>
+          </a:lnRef>
+          <a:fillRef idx="0">
+            <a:schemeClr val="accent1"/>
+          </a:fillRef>
+          <a:effectRef idx="0">
+            <a:schemeClr val="accent1"/>
+          </a:effectRef>
+          <a:fontRef idx="minor">
+            <a:schemeClr val="tx1"/>
+          </a:fontRef>
+        </p:style>
+      </p:cxnSp>
+      <p:cxnSp>
+        <p:nvCxnSpPr>
+          <p:cNvPr id="19" name="Straight Arrow Connector 18"/>
+          <p:cNvCxnSpPr>
+            <a:stCxn id="8" idx="3"/>
+            <a:endCxn id="9" idx="1"/>
+          </p:cNvCxnSpPr>
+          <p:nvPr/>
+        </p:nvCxnSpPr>
+        <p:spPr>
+          <a:xfrm flipV="1">
+            <a:off x="4122563" y="1746766"/>
+            <a:ext cx="373237" cy="152400"/>
+          </a:xfrm>
+          <a:prstGeom prst="straightConnector1">
+            <a:avLst/>
+          </a:prstGeom>
+          <a:ln>
+            <a:tailEnd type="arrow"/>
+          </a:ln>
+        </p:spPr>
+        <p:style>
+          <a:lnRef idx="1">
+            <a:schemeClr val="accent1"/>
+          </a:lnRef>
+          <a:fillRef idx="0">
+            <a:schemeClr val="accent1"/>
+          </a:fillRef>
+          <a:effectRef idx="0">
+            <a:schemeClr val="accent1"/>
+          </a:effectRef>
+          <a:fontRef idx="minor">
+            <a:schemeClr val="tx1"/>
+          </a:fontRef>
+        </p:style>
+      </p:cxnSp>
+      <p:sp>
+        <p:nvSpPr>
+          <p:cNvPr id="20" name="TextBox 19"/>
+          <p:cNvSpPr txBox="1"/>
+          <p:nvPr/>
+        </p:nvSpPr>
+        <p:spPr>
+          <a:xfrm>
+            <a:off x="5638800" y="1562100"/>
+            <a:ext cx="415498" cy="369332"/>
+          </a:xfrm>
+          <a:prstGeom prst="rect">
+            <a:avLst/>
+          </a:prstGeom>
+          <a:noFill/>
+        </p:spPr>
+        <p:txBody>
+          <a:bodyPr wrap="none" rtlCol="0">
+            <a:spAutoFit/>
+          </a:bodyPr>
+          <a:lstStyle/>
+          <a:p>
+            <a:r>
+              <a:rPr lang="en-US" dirty="0" smtClean="0"/>
+              <a:t>EP</a:t>
+            </a:r>
+            <a:endParaRPr lang="en-US" dirty="0"/>
+          </a:p>
+        </p:txBody>
+      </p:sp>
+      <p:sp>
+        <p:nvSpPr>
+          <p:cNvPr id="21" name="TextBox 20"/>
+          <p:cNvSpPr txBox="1"/>
+          <p:nvPr/>
+        </p:nvSpPr>
+        <p:spPr>
+          <a:xfrm>
+            <a:off x="152400" y="342900"/>
+            <a:ext cx="3182859" cy="646331"/>
+          </a:xfrm>
+          <a:prstGeom prst="rect">
+            <a:avLst/>
+          </a:prstGeom>
+          <a:noFill/>
+        </p:spPr>
+        <p:txBody>
+          <a:bodyPr wrap="none" rtlCol="0">
+            <a:spAutoFit/>
+          </a:bodyPr>
+          <a:lstStyle/>
+          <a:p>
+            <a:pPr marL="342900" indent="-342900">
+              <a:buAutoNum type="arabicPeriod"/>
+            </a:pPr>
+            <a:r>
+              <a:rPr lang="en-US" dirty="0" smtClean="0"/>
+              <a:t>Expose a port on node (Opt)</a:t>
+            </a:r>
+          </a:p>
+          <a:p>
+            <a:pPr marL="342900" indent="-342900">
+              <a:buAutoNum type="arabicPeriod"/>
+            </a:pPr>
+            <a:r>
+              <a:rPr lang="en-US" dirty="0" smtClean="0"/>
+              <a:t>Load balancer</a:t>
+            </a:r>
+            <a:endParaRPr lang="en-US" dirty="0"/>
+          </a:p>
+        </p:txBody>
+      </p:sp>
+      <p:sp>
+        <p:nvSpPr>
+          <p:cNvPr id="23" name="Rectangle 22"/>
+          <p:cNvSpPr/>
+          <p:nvPr/>
+        </p:nvSpPr>
+        <p:spPr>
+          <a:xfrm>
+            <a:off x="6274797" y="876300"/>
+            <a:ext cx="1828800" cy="762000"/>
+          </a:xfrm>
+          <a:prstGeom prst="rect">
+            <a:avLst/>
+          </a:prstGeom>
+          <a:noFill/>
+        </p:spPr>
+        <p:style>
+          <a:lnRef idx="2">
+            <a:schemeClr val="accent1">
+              <a:shade val="50000"/>
+            </a:schemeClr>
+          </a:lnRef>
+          <a:fillRef idx="1">
+            <a:schemeClr val="accent1"/>
+          </a:fillRef>
+          <a:effectRef idx="0">
+            <a:schemeClr val="accent1"/>
+          </a:effectRef>
+          <a:fontRef idx="minor">
+            <a:schemeClr val="lt1"/>
+          </a:fontRef>
+        </p:style>
+        <p:txBody>
+          <a:bodyPr rtlCol="0" anchor="ctr"/>
+          <a:lstStyle/>
+          <a:p>
+            <a:pPr algn="ctr"/>
+            <a:endParaRPr lang="en-US"/>
+          </a:p>
+        </p:txBody>
+      </p:sp>
+      <p:sp>
+        <p:nvSpPr>
+          <p:cNvPr id="24" name="Oval 23"/>
+          <p:cNvSpPr/>
+          <p:nvPr/>
+        </p:nvSpPr>
+        <p:spPr>
+          <a:xfrm>
+            <a:off x="6884397" y="1028700"/>
+            <a:ext cx="1219200" cy="457200"/>
+          </a:xfrm>
+          <a:prstGeom prst="ellipse">
+            <a:avLst/>
+          </a:prstGeom>
+        </p:spPr>
+        <p:style>
+          <a:lnRef idx="2">
+            <a:schemeClr val="accent1">
+              <a:shade val="50000"/>
+            </a:schemeClr>
+          </a:lnRef>
+          <a:fillRef idx="1">
+            <a:schemeClr val="accent1"/>
+          </a:fillRef>
+          <a:effectRef idx="0">
+            <a:schemeClr val="accent1"/>
+          </a:effectRef>
+          <a:fontRef idx="minor">
+            <a:schemeClr val="lt1"/>
+          </a:fontRef>
+        </p:style>
+        <p:txBody>
+          <a:bodyPr rtlCol="0" anchor="ctr"/>
+          <a:lstStyle/>
+          <a:p>
+            <a:pPr algn="ctr"/>
+            <a:r>
+              <a:rPr lang="en-US" dirty="0" smtClean="0"/>
+              <a:t>Nginx:80</a:t>
+            </a:r>
+          </a:p>
+          <a:p>
+            <a:pPr algn="ctr"/>
+            <a:endParaRPr lang="en-US" dirty="0"/>
+          </a:p>
+        </p:txBody>
+      </p:sp>
+      <p:sp>
+        <p:nvSpPr>
+          <p:cNvPr id="25" name="TextBox 24"/>
+          <p:cNvSpPr txBox="1"/>
+          <p:nvPr/>
+        </p:nvSpPr>
+        <p:spPr>
+          <a:xfrm>
+            <a:off x="6579597" y="571500"/>
+            <a:ext cx="1650003" cy="369332"/>
+          </a:xfrm>
+          <a:prstGeom prst="rect">
+            <a:avLst/>
+          </a:prstGeom>
+          <a:noFill/>
+        </p:spPr>
+        <p:txBody>
+          <a:bodyPr wrap="none" rtlCol="0">
+            <a:spAutoFit/>
+          </a:bodyPr>
+          <a:lstStyle/>
+          <a:p>
+            <a:r>
+              <a:rPr lang="en-US" dirty="0" smtClean="0"/>
+              <a:t>Pod: 172.17.0.6</a:t>
+            </a:r>
+            <a:endParaRPr lang="en-US" dirty="0"/>
+          </a:p>
+        </p:txBody>
+      </p:sp>
+      <p:cxnSp>
+        <p:nvCxnSpPr>
+          <p:cNvPr id="26" name="Straight Arrow Connector 25"/>
+          <p:cNvCxnSpPr>
+            <a:stCxn id="25" idx="2"/>
+            <a:endCxn id="24" idx="0"/>
+          </p:cNvCxnSpPr>
+          <p:nvPr/>
+        </p:nvCxnSpPr>
+        <p:spPr>
+          <a:xfrm>
+            <a:off x="7404599" y="940832"/>
+            <a:ext cx="89398" cy="87868"/>
+          </a:xfrm>
+          <a:prstGeom prst="straightConnector1">
+            <a:avLst/>
+          </a:prstGeom>
+          <a:ln>
+            <a:tailEnd type="arrow"/>
+          </a:ln>
+        </p:spPr>
+        <p:style>
+          <a:lnRef idx="1">
+            <a:schemeClr val="accent1"/>
+          </a:lnRef>
+          <a:fillRef idx="0">
+            <a:schemeClr val="accent1"/>
+          </a:fillRef>
+          <a:effectRef idx="0">
+            <a:schemeClr val="accent1"/>
+          </a:effectRef>
+          <a:fontRef idx="minor">
+            <a:schemeClr val="tx1"/>
+          </a:fontRef>
+        </p:style>
+      </p:cxnSp>
+      <p:cxnSp>
+        <p:nvCxnSpPr>
+          <p:cNvPr id="28" name="Straight Arrow Connector 27"/>
+          <p:cNvCxnSpPr>
+            <a:stCxn id="9" idx="3"/>
+            <a:endCxn id="25" idx="1"/>
+          </p:cNvCxnSpPr>
+          <p:nvPr/>
+        </p:nvCxnSpPr>
+        <p:spPr>
+          <a:xfrm flipV="1">
+            <a:off x="5398739" y="756166"/>
+            <a:ext cx="1180858" cy="990600"/>
+          </a:xfrm>
+          <a:prstGeom prst="straightConnector1">
+            <a:avLst/>
+          </a:prstGeom>
+          <a:ln>
+            <a:tailEnd type="arrow"/>
+          </a:ln>
+        </p:spPr>
+        <p:style>
+          <a:lnRef idx="1">
+            <a:schemeClr val="accent1"/>
+          </a:lnRef>
+          <a:fillRef idx="0">
+            <a:schemeClr val="accent1"/>
+          </a:fillRef>
+          <a:effectRef idx="0">
+            <a:schemeClr val="accent1"/>
+          </a:effectRef>
+          <a:fontRef idx="minor">
+            <a:schemeClr val="tx1"/>
+          </a:fontRef>
+        </p:style>
+      </p:cxnSp>
+      <p:sp>
+        <p:nvSpPr>
+          <p:cNvPr id="29" name="TextBox 28"/>
+          <p:cNvSpPr txBox="1"/>
+          <p:nvPr/>
+        </p:nvSpPr>
+        <p:spPr>
+          <a:xfrm>
+            <a:off x="5638800" y="1028700"/>
+            <a:ext cx="415498" cy="369332"/>
+          </a:xfrm>
+          <a:prstGeom prst="rect">
+            <a:avLst/>
+          </a:prstGeom>
+          <a:noFill/>
+        </p:spPr>
+        <p:txBody>
+          <a:bodyPr wrap="none" rtlCol="0">
+            <a:spAutoFit/>
+          </a:bodyPr>
+          <a:lstStyle/>
+          <a:p>
+            <a:r>
+              <a:rPr lang="en-US" dirty="0" smtClean="0"/>
+              <a:t>EP</a:t>
+            </a:r>
+            <a:endParaRPr lang="en-US" dirty="0"/>
+          </a:p>
+        </p:txBody>
+      </p:sp>
+      <p:cxnSp>
+        <p:nvCxnSpPr>
+          <p:cNvPr id="33" name="Straight Arrow Connector 32"/>
+          <p:cNvCxnSpPr>
+            <a:endCxn id="9" idx="2"/>
+          </p:cNvCxnSpPr>
+          <p:nvPr/>
+        </p:nvCxnSpPr>
+        <p:spPr>
+          <a:xfrm flipH="1" flipV="1">
+            <a:off x="4947270" y="1931432"/>
+            <a:ext cx="1758330" cy="1383268"/>
           </a:xfrm>
           <a:prstGeom prst="straightConnector1">
             <a:avLst/>

--- a/rough-diag.pptx
+++ b/rough-diag.pptx
@@ -5,7 +5,7 @@
     <p:sldMasterId id="2147483648" r:id="rId1"/>
   </p:sldMasterIdLst>
   <p:notesMasterIdLst>
-    <p:notesMasterId r:id="rId19"/>
+    <p:notesMasterId r:id="rId20"/>
   </p:notesMasterIdLst>
   <p:sldIdLst>
     <p:sldId id="288" r:id="rId2"/>
@@ -25,6 +25,7 @@
     <p:sldId id="724" r:id="rId16"/>
     <p:sldId id="726" r:id="rId17"/>
     <p:sldId id="727" r:id="rId18"/>
+    <p:sldId id="728" r:id="rId19"/>
   </p:sldIdLst>
   <p:sldSz cx="9144000" cy="5715000" type="screen16x10"/>
   <p:notesSz cx="6858000" cy="9144000"/>
@@ -9783,7 +9784,7 @@
         <p:spPr>
           <a:xfrm>
             <a:off x="152400" y="342900"/>
-            <a:ext cx="3182859" cy="646331"/>
+            <a:ext cx="3505200" cy="1477328"/>
           </a:xfrm>
           <a:prstGeom prst="rect">
             <a:avLst/>
@@ -9791,7 +9792,7 @@
           <a:noFill/>
         </p:spPr>
         <p:txBody>
-          <a:bodyPr wrap="none" rtlCol="0">
+          <a:bodyPr wrap="square" rtlCol="0">
             <a:spAutoFit/>
           </a:bodyPr>
           <a:lstStyle/>
@@ -9811,6 +9812,23 @@
             <a:r>
               <a:rPr lang="en-US" dirty="0" smtClean="0"/>
               <a:t>Load balancer</a:t>
+            </a:r>
+          </a:p>
+          <a:p>
+            <a:pPr marL="342900" indent="-342900">
+              <a:buAutoNum type="arabicPeriod"/>
+            </a:pPr>
+            <a:r>
+              <a:rPr lang="en-US" dirty="0" smtClean="0"/>
+              <a:t>Svc gives us </a:t>
+            </a:r>
+            <a:r>
+              <a:rPr lang="en-US" dirty="0" err="1" smtClean="0"/>
+              <a:t>dns</a:t>
+            </a:r>
+            <a:r>
+              <a:rPr lang="en-US" dirty="0" smtClean="0"/>
+              <a:t> name mapping on the name of the svc (service discovery)</a:t>
             </a:r>
             <a:endParaRPr lang="en-US" dirty="0"/>
           </a:p>
@@ -10071,6 +10089,842 @@
           </a:fontRef>
         </p:style>
       </p:cxnSp>
+    </p:spTree>
+  </p:cSld>
+  <p:clrMapOvr>
+    <a:masterClrMapping/>
+  </p:clrMapOvr>
+</p:sld>
+</file>
+
+<file path=ppt/slides/slide18.xml><?xml version="1.0" encoding="utf-8"?>
+<p:sld xmlns:a="http://schemas.openxmlformats.org/drawingml/2006/main" xmlns:r="http://schemas.openxmlformats.org/officeDocument/2006/relationships" xmlns:p="http://schemas.openxmlformats.org/presentationml/2006/main">
+  <p:cSld>
+    <p:spTree>
+      <p:nvGrpSpPr>
+        <p:cNvPr id="1" name=""/>
+        <p:cNvGrpSpPr/>
+        <p:nvPr/>
+      </p:nvGrpSpPr>
+      <p:grpSpPr>
+        <a:xfrm>
+          <a:off x="0" y="0"/>
+          <a:ext cx="0" cy="0"/>
+          <a:chOff x="0" y="0"/>
+          <a:chExt cx="0" cy="0"/>
+        </a:xfrm>
+      </p:grpSpPr>
+      <p:sp>
+        <p:nvSpPr>
+          <p:cNvPr id="2" name="Rectangle 1"/>
+          <p:cNvSpPr/>
+          <p:nvPr/>
+        </p:nvSpPr>
+        <p:spPr>
+          <a:xfrm>
+            <a:off x="2286000" y="266700"/>
+            <a:ext cx="6324600" cy="4953000"/>
+          </a:xfrm>
+          <a:prstGeom prst="rect">
+            <a:avLst/>
+          </a:prstGeom>
+          <a:noFill/>
+        </p:spPr>
+        <p:style>
+          <a:lnRef idx="2">
+            <a:schemeClr val="accent1">
+              <a:shade val="50000"/>
+            </a:schemeClr>
+          </a:lnRef>
+          <a:fillRef idx="1">
+            <a:schemeClr val="accent1"/>
+          </a:fillRef>
+          <a:effectRef idx="0">
+            <a:schemeClr val="accent1"/>
+          </a:effectRef>
+          <a:fontRef idx="minor">
+            <a:schemeClr val="lt1"/>
+          </a:fontRef>
+        </p:style>
+        <p:txBody>
+          <a:bodyPr rtlCol="0" anchor="ctr"/>
+          <a:lstStyle/>
+          <a:p>
+            <a:pPr algn="ctr"/>
+            <a:endParaRPr lang="en-US"/>
+          </a:p>
+        </p:txBody>
+      </p:sp>
+      <p:sp>
+        <p:nvSpPr>
+          <p:cNvPr id="3" name="TextBox 2"/>
+          <p:cNvSpPr txBox="1"/>
+          <p:nvPr/>
+        </p:nvSpPr>
+        <p:spPr>
+          <a:xfrm>
+            <a:off x="2286000" y="266700"/>
+            <a:ext cx="2583015" cy="369332"/>
+          </a:xfrm>
+          <a:prstGeom prst="rect">
+            <a:avLst/>
+          </a:prstGeom>
+          <a:noFill/>
+        </p:spPr>
+        <p:txBody>
+          <a:bodyPr wrap="none" rtlCol="0">
+            <a:spAutoFit/>
+          </a:bodyPr>
+          <a:lstStyle/>
+          <a:p>
+            <a:r>
+              <a:rPr lang="en-US" dirty="0" err="1" smtClean="0"/>
+              <a:t>Minikube</a:t>
+            </a:r>
+            <a:r>
+              <a:rPr lang="en-US" dirty="0" smtClean="0"/>
+              <a:t> 192.168.99.100</a:t>
+            </a:r>
+            <a:endParaRPr lang="en-US" dirty="0"/>
+          </a:p>
+        </p:txBody>
+      </p:sp>
+      <p:sp>
+        <p:nvSpPr>
+          <p:cNvPr id="4" name="Rectangle 3"/>
+          <p:cNvSpPr/>
+          <p:nvPr/>
+        </p:nvSpPr>
+        <p:spPr>
+          <a:xfrm>
+            <a:off x="6400800" y="2171700"/>
+            <a:ext cx="1981200" cy="2133600"/>
+          </a:xfrm>
+          <a:prstGeom prst="rect">
+            <a:avLst/>
+          </a:prstGeom>
+          <a:noFill/>
+        </p:spPr>
+        <p:style>
+          <a:lnRef idx="2">
+            <a:schemeClr val="accent1">
+              <a:shade val="50000"/>
+            </a:schemeClr>
+          </a:lnRef>
+          <a:fillRef idx="1">
+            <a:schemeClr val="accent1"/>
+          </a:fillRef>
+          <a:effectRef idx="0">
+            <a:schemeClr val="accent1"/>
+          </a:effectRef>
+          <a:fontRef idx="minor">
+            <a:schemeClr val="lt1"/>
+          </a:fontRef>
+        </p:style>
+        <p:txBody>
+          <a:bodyPr rtlCol="0" anchor="ctr"/>
+          <a:lstStyle/>
+          <a:p>
+            <a:pPr algn="ctr"/>
+            <a:endParaRPr lang="en-US"/>
+          </a:p>
+        </p:txBody>
+      </p:sp>
+      <p:sp>
+        <p:nvSpPr>
+          <p:cNvPr id="5" name="TextBox 4"/>
+          <p:cNvSpPr txBox="1"/>
+          <p:nvPr/>
+        </p:nvSpPr>
+        <p:spPr>
+          <a:xfrm>
+            <a:off x="6477000" y="1866900"/>
+            <a:ext cx="1822935" cy="369332"/>
+          </a:xfrm>
+          <a:prstGeom prst="rect">
+            <a:avLst/>
+          </a:prstGeom>
+          <a:noFill/>
+        </p:spPr>
+        <p:txBody>
+          <a:bodyPr wrap="none" rtlCol="0">
+            <a:spAutoFit/>
+          </a:bodyPr>
+          <a:lstStyle/>
+          <a:p>
+            <a:r>
+              <a:rPr lang="en-US" dirty="0" smtClean="0"/>
+              <a:t>POD: 172.17.0.15</a:t>
+            </a:r>
+            <a:endParaRPr lang="en-US" dirty="0"/>
+          </a:p>
+        </p:txBody>
+      </p:sp>
+      <p:sp>
+        <p:nvSpPr>
+          <p:cNvPr id="6" name="Oval 5"/>
+          <p:cNvSpPr/>
+          <p:nvPr/>
+        </p:nvSpPr>
+        <p:spPr>
+          <a:xfrm>
+            <a:off x="6400800" y="2705100"/>
+            <a:ext cx="1676400" cy="1066800"/>
+          </a:xfrm>
+          <a:prstGeom prst="ellipse">
+            <a:avLst/>
+          </a:prstGeom>
+        </p:spPr>
+        <p:style>
+          <a:lnRef idx="2">
+            <a:schemeClr val="accent1">
+              <a:shade val="50000"/>
+            </a:schemeClr>
+          </a:lnRef>
+          <a:fillRef idx="1">
+            <a:schemeClr val="accent1"/>
+          </a:fillRef>
+          <a:effectRef idx="0">
+            <a:schemeClr val="accent1"/>
+          </a:effectRef>
+          <a:fontRef idx="minor">
+            <a:schemeClr val="lt1"/>
+          </a:fontRef>
+        </p:style>
+        <p:txBody>
+          <a:bodyPr rtlCol="0" anchor="ctr"/>
+          <a:lstStyle/>
+          <a:p>
+            <a:pPr algn="ctr"/>
+            <a:r>
+              <a:rPr lang="en-US" dirty="0" smtClean="0"/>
+              <a:t>Mysql:3306</a:t>
+            </a:r>
+            <a:endParaRPr lang="en-US" dirty="0"/>
+          </a:p>
+        </p:txBody>
+      </p:sp>
+      <p:sp>
+        <p:nvSpPr>
+          <p:cNvPr id="7" name="Rectangle 6"/>
+          <p:cNvSpPr/>
+          <p:nvPr/>
+        </p:nvSpPr>
+        <p:spPr>
+          <a:xfrm>
+            <a:off x="2895600" y="2019300"/>
+            <a:ext cx="1981200" cy="2133600"/>
+          </a:xfrm>
+          <a:prstGeom prst="rect">
+            <a:avLst/>
+          </a:prstGeom>
+          <a:noFill/>
+        </p:spPr>
+        <p:style>
+          <a:lnRef idx="2">
+            <a:schemeClr val="accent1">
+              <a:shade val="50000"/>
+            </a:schemeClr>
+          </a:lnRef>
+          <a:fillRef idx="1">
+            <a:schemeClr val="accent1"/>
+          </a:fillRef>
+          <a:effectRef idx="0">
+            <a:schemeClr val="accent1"/>
+          </a:effectRef>
+          <a:fontRef idx="minor">
+            <a:schemeClr val="lt1"/>
+          </a:fontRef>
+        </p:style>
+        <p:txBody>
+          <a:bodyPr rtlCol="0" anchor="ctr"/>
+          <a:lstStyle/>
+          <a:p>
+            <a:pPr algn="ctr"/>
+            <a:endParaRPr lang="en-US"/>
+          </a:p>
+        </p:txBody>
+      </p:sp>
+      <p:sp>
+        <p:nvSpPr>
+          <p:cNvPr id="8" name="TextBox 7"/>
+          <p:cNvSpPr txBox="1"/>
+          <p:nvPr/>
+        </p:nvSpPr>
+        <p:spPr>
+          <a:xfrm>
+            <a:off x="2971800" y="1714500"/>
+            <a:ext cx="1822935" cy="369332"/>
+          </a:xfrm>
+          <a:prstGeom prst="rect">
+            <a:avLst/>
+          </a:prstGeom>
+          <a:noFill/>
+        </p:spPr>
+        <p:txBody>
+          <a:bodyPr wrap="none" rtlCol="0">
+            <a:spAutoFit/>
+          </a:bodyPr>
+          <a:lstStyle/>
+          <a:p>
+            <a:r>
+              <a:rPr lang="en-US" dirty="0" smtClean="0"/>
+              <a:t>POD: 172.17.0.11</a:t>
+            </a:r>
+            <a:endParaRPr lang="en-US" dirty="0"/>
+          </a:p>
+        </p:txBody>
+      </p:sp>
+      <p:sp>
+        <p:nvSpPr>
+          <p:cNvPr id="9" name="Oval 8"/>
+          <p:cNvSpPr/>
+          <p:nvPr/>
+        </p:nvSpPr>
+        <p:spPr>
+          <a:xfrm>
+            <a:off x="2895600" y="2552700"/>
+            <a:ext cx="1905000" cy="1066800"/>
+          </a:xfrm>
+          <a:prstGeom prst="ellipse">
+            <a:avLst/>
+          </a:prstGeom>
+        </p:spPr>
+        <p:style>
+          <a:lnRef idx="2">
+            <a:schemeClr val="accent1">
+              <a:shade val="50000"/>
+            </a:schemeClr>
+          </a:lnRef>
+          <a:fillRef idx="1">
+            <a:schemeClr val="accent1"/>
+          </a:fillRef>
+          <a:effectRef idx="0">
+            <a:schemeClr val="accent1"/>
+          </a:effectRef>
+          <a:fontRef idx="minor">
+            <a:schemeClr val="lt1"/>
+          </a:fontRef>
+        </p:style>
+        <p:txBody>
+          <a:bodyPr rtlCol="0" anchor="ctr"/>
+          <a:lstStyle/>
+          <a:p>
+            <a:pPr algn="ctr"/>
+            <a:r>
+              <a:rPr lang="en-US" dirty="0" smtClean="0"/>
+              <a:t>Ghost:2368</a:t>
+            </a:r>
+          </a:p>
+          <a:p>
+            <a:pPr algn="ctr"/>
+            <a:r>
+              <a:rPr lang="en-US" dirty="0" smtClean="0"/>
+              <a:t>Blog-db-svc:888</a:t>
+            </a:r>
+            <a:endParaRPr lang="en-US" dirty="0"/>
+          </a:p>
+        </p:txBody>
+      </p:sp>
+      <p:sp>
+        <p:nvSpPr>
+          <p:cNvPr id="10" name="Rectangle 9"/>
+          <p:cNvSpPr/>
+          <p:nvPr/>
+        </p:nvSpPr>
+        <p:spPr>
+          <a:xfrm>
+            <a:off x="-1295400" y="3162300"/>
+            <a:ext cx="3124200" cy="1295400"/>
+          </a:xfrm>
+          <a:prstGeom prst="rect">
+            <a:avLst/>
+          </a:prstGeom>
+          <a:noFill/>
+        </p:spPr>
+        <p:style>
+          <a:lnRef idx="2">
+            <a:schemeClr val="accent1">
+              <a:shade val="50000"/>
+            </a:schemeClr>
+          </a:lnRef>
+          <a:fillRef idx="1">
+            <a:schemeClr val="accent1"/>
+          </a:fillRef>
+          <a:effectRef idx="0">
+            <a:schemeClr val="accent1"/>
+          </a:effectRef>
+          <a:fontRef idx="minor">
+            <a:schemeClr val="lt1"/>
+          </a:fontRef>
+        </p:style>
+        <p:txBody>
+          <a:bodyPr rtlCol="0" anchor="ctr"/>
+          <a:lstStyle/>
+          <a:p>
+            <a:pPr algn="ctr"/>
+            <a:endParaRPr lang="en-US"/>
+          </a:p>
+        </p:txBody>
+      </p:sp>
+      <p:sp>
+        <p:nvSpPr>
+          <p:cNvPr id="11" name="Rectangle 10"/>
+          <p:cNvSpPr/>
+          <p:nvPr/>
+        </p:nvSpPr>
+        <p:spPr>
+          <a:xfrm>
+            <a:off x="-1219200" y="3238500"/>
+            <a:ext cx="2971800" cy="304800"/>
+          </a:xfrm>
+          <a:prstGeom prst="rect">
+            <a:avLst/>
+          </a:prstGeom>
+        </p:spPr>
+        <p:style>
+          <a:lnRef idx="2">
+            <a:schemeClr val="accent1">
+              <a:shade val="50000"/>
+            </a:schemeClr>
+          </a:lnRef>
+          <a:fillRef idx="1">
+            <a:schemeClr val="accent1"/>
+          </a:fillRef>
+          <a:effectRef idx="0">
+            <a:schemeClr val="accent1"/>
+          </a:effectRef>
+          <a:fontRef idx="minor">
+            <a:schemeClr val="lt1"/>
+          </a:fontRef>
+        </p:style>
+        <p:txBody>
+          <a:bodyPr rtlCol="0" anchor="ctr"/>
+          <a:lstStyle/>
+          <a:p>
+            <a:pPr algn="ctr"/>
+            <a:r>
+              <a:rPr lang="en-US" dirty="0" smtClean="0"/>
+              <a:t>http://192.168.99.100:32023</a:t>
+            </a:r>
+            <a:endParaRPr lang="en-US" dirty="0"/>
+          </a:p>
+        </p:txBody>
+      </p:sp>
+      <p:sp>
+        <p:nvSpPr>
+          <p:cNvPr id="12" name="TextBox 11"/>
+          <p:cNvSpPr txBox="1"/>
+          <p:nvPr/>
+        </p:nvSpPr>
+        <p:spPr>
+          <a:xfrm>
+            <a:off x="2895600" y="876300"/>
+            <a:ext cx="2628605" cy="369332"/>
+          </a:xfrm>
+          <a:prstGeom prst="rect">
+            <a:avLst/>
+          </a:prstGeom>
+          <a:noFill/>
+        </p:spPr>
+        <p:txBody>
+          <a:bodyPr wrap="none" rtlCol="0">
+            <a:spAutoFit/>
+          </a:bodyPr>
+          <a:lstStyle/>
+          <a:p>
+            <a:r>
+              <a:rPr lang="en-US" dirty="0" smtClean="0"/>
+              <a:t>blog-ghost-svc (</a:t>
+            </a:r>
+            <a:r>
+              <a:rPr lang="en-US" dirty="0" err="1" smtClean="0"/>
+              <a:t>NodePort</a:t>
+            </a:r>
+            <a:r>
+              <a:rPr lang="en-US" dirty="0" smtClean="0"/>
+              <a:t>)</a:t>
+            </a:r>
+            <a:endParaRPr lang="en-US" dirty="0"/>
+          </a:p>
+        </p:txBody>
+      </p:sp>
+      <p:cxnSp>
+        <p:nvCxnSpPr>
+          <p:cNvPr id="14" name="Straight Arrow Connector 13"/>
+          <p:cNvCxnSpPr>
+            <a:stCxn id="12" idx="2"/>
+            <a:endCxn id="8" idx="0"/>
+          </p:cNvCxnSpPr>
+          <p:nvPr/>
+        </p:nvCxnSpPr>
+        <p:spPr>
+          <a:xfrm flipH="1">
+            <a:off x="3883268" y="1245632"/>
+            <a:ext cx="326635" cy="468868"/>
+          </a:xfrm>
+          <a:prstGeom prst="straightConnector1">
+            <a:avLst/>
+          </a:prstGeom>
+          <a:ln>
+            <a:tailEnd type="arrow"/>
+          </a:ln>
+        </p:spPr>
+        <p:style>
+          <a:lnRef idx="1">
+            <a:schemeClr val="accent1"/>
+          </a:lnRef>
+          <a:fillRef idx="0">
+            <a:schemeClr val="accent1"/>
+          </a:fillRef>
+          <a:effectRef idx="0">
+            <a:schemeClr val="accent1"/>
+          </a:effectRef>
+          <a:fontRef idx="minor">
+            <a:schemeClr val="tx1"/>
+          </a:fontRef>
+        </p:style>
+      </p:cxnSp>
+      <p:cxnSp>
+        <p:nvCxnSpPr>
+          <p:cNvPr id="16" name="Straight Arrow Connector 15"/>
+          <p:cNvCxnSpPr>
+            <a:stCxn id="8" idx="2"/>
+            <a:endCxn id="9" idx="0"/>
+          </p:cNvCxnSpPr>
+          <p:nvPr/>
+        </p:nvCxnSpPr>
+        <p:spPr>
+          <a:xfrm flipH="1">
+            <a:off x="3848100" y="2083832"/>
+            <a:ext cx="35168" cy="468868"/>
+          </a:xfrm>
+          <a:prstGeom prst="straightConnector1">
+            <a:avLst/>
+          </a:prstGeom>
+          <a:ln>
+            <a:tailEnd type="arrow"/>
+          </a:ln>
+        </p:spPr>
+        <p:style>
+          <a:lnRef idx="1">
+            <a:schemeClr val="accent1"/>
+          </a:lnRef>
+          <a:fillRef idx="0">
+            <a:schemeClr val="accent1"/>
+          </a:fillRef>
+          <a:effectRef idx="0">
+            <a:schemeClr val="accent1"/>
+          </a:effectRef>
+          <a:fontRef idx="minor">
+            <a:schemeClr val="tx1"/>
+          </a:fontRef>
+        </p:style>
+      </p:cxnSp>
+      <p:sp>
+        <p:nvSpPr>
+          <p:cNvPr id="17" name="TextBox 16"/>
+          <p:cNvSpPr txBox="1"/>
+          <p:nvPr/>
+        </p:nvSpPr>
+        <p:spPr>
+          <a:xfrm>
+            <a:off x="3657600" y="1333500"/>
+            <a:ext cx="415498" cy="369332"/>
+          </a:xfrm>
+          <a:prstGeom prst="rect">
+            <a:avLst/>
+          </a:prstGeom>
+          <a:noFill/>
+        </p:spPr>
+        <p:txBody>
+          <a:bodyPr wrap="none" rtlCol="0">
+            <a:spAutoFit/>
+          </a:bodyPr>
+          <a:lstStyle/>
+          <a:p>
+            <a:r>
+              <a:rPr lang="en-US" dirty="0" smtClean="0"/>
+              <a:t>EP</a:t>
+            </a:r>
+            <a:endParaRPr lang="en-US" dirty="0"/>
+          </a:p>
+        </p:txBody>
+      </p:sp>
+      <p:sp>
+        <p:nvSpPr>
+          <p:cNvPr id="18" name="TextBox 17"/>
+          <p:cNvSpPr txBox="1"/>
+          <p:nvPr/>
+        </p:nvSpPr>
+        <p:spPr>
+          <a:xfrm>
+            <a:off x="1828800" y="1257300"/>
+            <a:ext cx="769763" cy="369332"/>
+          </a:xfrm>
+          <a:prstGeom prst="rect">
+            <a:avLst/>
+          </a:prstGeom>
+          <a:noFill/>
+        </p:spPr>
+        <p:txBody>
+          <a:bodyPr wrap="none" rtlCol="0">
+            <a:spAutoFit/>
+          </a:bodyPr>
+          <a:lstStyle/>
+          <a:p>
+            <a:r>
+              <a:rPr lang="en-US" dirty="0" smtClean="0"/>
+              <a:t>32023</a:t>
+            </a:r>
+            <a:endParaRPr lang="en-US" dirty="0"/>
+          </a:p>
+        </p:txBody>
+      </p:sp>
+      <p:cxnSp>
+        <p:nvCxnSpPr>
+          <p:cNvPr id="20" name="Straight Arrow Connector 19"/>
+          <p:cNvCxnSpPr>
+            <a:endCxn id="18" idx="1"/>
+          </p:cNvCxnSpPr>
+          <p:nvPr/>
+        </p:nvCxnSpPr>
+        <p:spPr>
+          <a:xfrm flipV="1">
+            <a:off x="1219200" y="1441966"/>
+            <a:ext cx="609600" cy="1720334"/>
+          </a:xfrm>
+          <a:prstGeom prst="straightConnector1">
+            <a:avLst/>
+          </a:prstGeom>
+          <a:ln>
+            <a:tailEnd type="arrow"/>
+          </a:ln>
+        </p:spPr>
+        <p:style>
+          <a:lnRef idx="1">
+            <a:schemeClr val="accent1"/>
+          </a:lnRef>
+          <a:fillRef idx="0">
+            <a:schemeClr val="accent1"/>
+          </a:fillRef>
+          <a:effectRef idx="0">
+            <a:schemeClr val="accent1"/>
+          </a:effectRef>
+          <a:fontRef idx="minor">
+            <a:schemeClr val="tx1"/>
+          </a:fontRef>
+        </p:style>
+      </p:cxnSp>
+      <p:cxnSp>
+        <p:nvCxnSpPr>
+          <p:cNvPr id="22" name="Straight Connector 21"/>
+          <p:cNvCxnSpPr>
+            <a:stCxn id="18" idx="3"/>
+            <a:endCxn id="12" idx="1"/>
+          </p:cNvCxnSpPr>
+          <p:nvPr/>
+        </p:nvCxnSpPr>
+        <p:spPr>
+          <a:xfrm flipV="1">
+            <a:off x="2598563" y="1060966"/>
+            <a:ext cx="297037" cy="381000"/>
+          </a:xfrm>
+          <a:prstGeom prst="line">
+            <a:avLst/>
+          </a:prstGeom>
+        </p:spPr>
+        <p:style>
+          <a:lnRef idx="1">
+            <a:schemeClr val="accent1"/>
+          </a:lnRef>
+          <a:fillRef idx="0">
+            <a:schemeClr val="accent1"/>
+          </a:fillRef>
+          <a:effectRef idx="0">
+            <a:schemeClr val="accent1"/>
+          </a:effectRef>
+          <a:fontRef idx="minor">
+            <a:schemeClr val="tx1"/>
+          </a:fontRef>
+        </p:style>
+      </p:cxnSp>
+      <p:cxnSp>
+        <p:nvCxnSpPr>
+          <p:cNvPr id="25" name="Straight Arrow Connector 24"/>
+          <p:cNvCxnSpPr>
+            <a:stCxn id="9" idx="6"/>
+            <a:endCxn id="28" idx="1"/>
+          </p:cNvCxnSpPr>
+          <p:nvPr/>
+        </p:nvCxnSpPr>
+        <p:spPr>
+          <a:xfrm flipV="1">
+            <a:off x="4800600" y="1060966"/>
+            <a:ext cx="1143000" cy="2025134"/>
+          </a:xfrm>
+          <a:prstGeom prst="straightConnector1">
+            <a:avLst/>
+          </a:prstGeom>
+          <a:ln>
+            <a:tailEnd type="arrow"/>
+          </a:ln>
+        </p:spPr>
+        <p:style>
+          <a:lnRef idx="1">
+            <a:schemeClr val="accent1"/>
+          </a:lnRef>
+          <a:fillRef idx="0">
+            <a:schemeClr val="accent1"/>
+          </a:fillRef>
+          <a:effectRef idx="0">
+            <a:schemeClr val="accent1"/>
+          </a:effectRef>
+          <a:fontRef idx="minor">
+            <a:schemeClr val="tx1"/>
+          </a:fontRef>
+        </p:style>
+      </p:cxnSp>
+      <p:cxnSp>
+        <p:nvCxnSpPr>
+          <p:cNvPr id="27" name="Straight Arrow Connector 26"/>
+          <p:cNvCxnSpPr>
+            <a:stCxn id="5" idx="2"/>
+            <a:endCxn id="6" idx="0"/>
+          </p:cNvCxnSpPr>
+          <p:nvPr/>
+        </p:nvCxnSpPr>
+        <p:spPr>
+          <a:xfrm flipH="1">
+            <a:off x="7239000" y="2236232"/>
+            <a:ext cx="149468" cy="468868"/>
+          </a:xfrm>
+          <a:prstGeom prst="straightConnector1">
+            <a:avLst/>
+          </a:prstGeom>
+          <a:ln>
+            <a:tailEnd type="arrow"/>
+          </a:ln>
+        </p:spPr>
+        <p:style>
+          <a:lnRef idx="1">
+            <a:schemeClr val="accent1"/>
+          </a:lnRef>
+          <a:fillRef idx="0">
+            <a:schemeClr val="accent1"/>
+          </a:fillRef>
+          <a:effectRef idx="0">
+            <a:schemeClr val="accent1"/>
+          </a:effectRef>
+          <a:fontRef idx="minor">
+            <a:schemeClr val="tx1"/>
+          </a:fontRef>
+        </p:style>
+      </p:cxnSp>
+      <p:sp>
+        <p:nvSpPr>
+          <p:cNvPr id="28" name="TextBox 27"/>
+          <p:cNvSpPr txBox="1"/>
+          <p:nvPr/>
+        </p:nvSpPr>
+        <p:spPr>
+          <a:xfrm>
+            <a:off x="5943600" y="876300"/>
+            <a:ext cx="2816669" cy="369332"/>
+          </a:xfrm>
+          <a:prstGeom prst="rect">
+            <a:avLst/>
+          </a:prstGeom>
+          <a:noFill/>
+        </p:spPr>
+        <p:txBody>
+          <a:bodyPr wrap="none" rtlCol="0">
+            <a:spAutoFit/>
+          </a:bodyPr>
+          <a:lstStyle/>
+          <a:p>
+            <a:r>
+              <a:rPr lang="en-US" dirty="0" smtClean="0"/>
+              <a:t>blog-db-svc:8888 (</a:t>
+            </a:r>
+            <a:r>
+              <a:rPr lang="en-US" dirty="0" err="1" smtClean="0"/>
+              <a:t>ClusterIP</a:t>
+            </a:r>
+            <a:r>
+              <a:rPr lang="en-US" dirty="0" smtClean="0"/>
+              <a:t>)</a:t>
+            </a:r>
+            <a:endParaRPr lang="en-US" dirty="0"/>
+          </a:p>
+        </p:txBody>
+      </p:sp>
+      <p:cxnSp>
+        <p:nvCxnSpPr>
+          <p:cNvPr id="30" name="Straight Arrow Connector 29"/>
+          <p:cNvCxnSpPr>
+            <a:stCxn id="28" idx="2"/>
+            <a:endCxn id="5" idx="0"/>
+          </p:cNvCxnSpPr>
+          <p:nvPr/>
+        </p:nvCxnSpPr>
+        <p:spPr>
+          <a:xfrm>
+            <a:off x="7351935" y="1245632"/>
+            <a:ext cx="36533" cy="621268"/>
+          </a:xfrm>
+          <a:prstGeom prst="straightConnector1">
+            <a:avLst/>
+          </a:prstGeom>
+          <a:ln>
+            <a:tailEnd type="arrow"/>
+          </a:ln>
+        </p:spPr>
+        <p:style>
+          <a:lnRef idx="1">
+            <a:schemeClr val="accent1"/>
+          </a:lnRef>
+          <a:fillRef idx="0">
+            <a:schemeClr val="accent1"/>
+          </a:fillRef>
+          <a:effectRef idx="0">
+            <a:schemeClr val="accent1"/>
+          </a:effectRef>
+          <a:fontRef idx="minor">
+            <a:schemeClr val="tx1"/>
+          </a:fontRef>
+        </p:style>
+      </p:cxnSp>
+      <p:sp>
+        <p:nvSpPr>
+          <p:cNvPr id="31" name="TextBox 30"/>
+          <p:cNvSpPr txBox="1"/>
+          <p:nvPr/>
+        </p:nvSpPr>
+        <p:spPr>
+          <a:xfrm>
+            <a:off x="6934200" y="1257300"/>
+            <a:ext cx="415498" cy="369332"/>
+          </a:xfrm>
+          <a:prstGeom prst="rect">
+            <a:avLst/>
+          </a:prstGeom>
+          <a:noFill/>
+        </p:spPr>
+        <p:txBody>
+          <a:bodyPr wrap="none" rtlCol="0">
+            <a:spAutoFit/>
+          </a:bodyPr>
+          <a:lstStyle/>
+          <a:p>
+            <a:r>
+              <a:rPr lang="en-US" dirty="0" smtClean="0"/>
+              <a:t>EP</a:t>
+            </a:r>
+            <a:endParaRPr lang="en-US" dirty="0"/>
+          </a:p>
+        </p:txBody>
+      </p:sp>
     </p:spTree>
   </p:cSld>
   <p:clrMapOvr>

--- a/rough-diag.pptx
+++ b/rough-diag.pptx
@@ -5,7 +5,7 @@
     <p:sldMasterId id="2147483648" r:id="rId1"/>
   </p:sldMasterIdLst>
   <p:notesMasterIdLst>
-    <p:notesMasterId r:id="rId20"/>
+    <p:notesMasterId r:id="rId21"/>
   </p:notesMasterIdLst>
   <p:sldIdLst>
     <p:sldId id="288" r:id="rId2"/>
@@ -26,6 +26,7 @@
     <p:sldId id="726" r:id="rId17"/>
     <p:sldId id="727" r:id="rId18"/>
     <p:sldId id="728" r:id="rId19"/>
+    <p:sldId id="729" r:id="rId20"/>
   </p:sldIdLst>
   <p:sldSz cx="9144000" cy="5715000" type="screen16x10"/>
   <p:notesSz cx="6858000" cy="9144000"/>
@@ -10920,6 +10921,1618 @@
             <a:r>
               <a:rPr lang="en-US" dirty="0" smtClean="0"/>
               <a:t>EP</a:t>
+            </a:r>
+            <a:endParaRPr lang="en-US" dirty="0"/>
+          </a:p>
+        </p:txBody>
+      </p:sp>
+    </p:spTree>
+  </p:cSld>
+  <p:clrMapOvr>
+    <a:masterClrMapping/>
+  </p:clrMapOvr>
+</p:sld>
+</file>
+
+<file path=ppt/slides/slide19.xml><?xml version="1.0" encoding="utf-8"?>
+<p:sld xmlns:a="http://schemas.openxmlformats.org/drawingml/2006/main" xmlns:r="http://schemas.openxmlformats.org/officeDocument/2006/relationships" xmlns:p="http://schemas.openxmlformats.org/presentationml/2006/main">
+  <p:cSld>
+    <p:spTree>
+      <p:nvGrpSpPr>
+        <p:cNvPr id="1" name=""/>
+        <p:cNvGrpSpPr/>
+        <p:nvPr/>
+      </p:nvGrpSpPr>
+      <p:grpSpPr>
+        <a:xfrm>
+          <a:off x="0" y="0"/>
+          <a:ext cx="0" cy="0"/>
+          <a:chOff x="0" y="0"/>
+          <a:chExt cx="0" cy="0"/>
+        </a:xfrm>
+      </p:grpSpPr>
+      <p:sp>
+        <p:nvSpPr>
+          <p:cNvPr id="2" name="Rectangle 1"/>
+          <p:cNvSpPr/>
+          <p:nvPr/>
+        </p:nvSpPr>
+        <p:spPr>
+          <a:xfrm>
+            <a:off x="3657600" y="342900"/>
+            <a:ext cx="2971800" cy="2209800"/>
+          </a:xfrm>
+          <a:prstGeom prst="rect">
+            <a:avLst/>
+          </a:prstGeom>
+          <a:noFill/>
+        </p:spPr>
+        <p:style>
+          <a:lnRef idx="2">
+            <a:schemeClr val="accent1">
+              <a:shade val="50000"/>
+            </a:schemeClr>
+          </a:lnRef>
+          <a:fillRef idx="1">
+            <a:schemeClr val="accent1"/>
+          </a:fillRef>
+          <a:effectRef idx="0">
+            <a:schemeClr val="accent1"/>
+          </a:effectRef>
+          <a:fontRef idx="minor">
+            <a:schemeClr val="lt1"/>
+          </a:fontRef>
+        </p:style>
+        <p:txBody>
+          <a:bodyPr rtlCol="0" anchor="ctr"/>
+          <a:lstStyle/>
+          <a:p>
+            <a:pPr algn="ctr"/>
+            <a:endParaRPr lang="en-US"/>
+          </a:p>
+        </p:txBody>
+      </p:sp>
+      <p:sp>
+        <p:nvSpPr>
+          <p:cNvPr id="3" name="TextBox 2"/>
+          <p:cNvSpPr txBox="1"/>
+          <p:nvPr/>
+        </p:nvSpPr>
+        <p:spPr>
+          <a:xfrm>
+            <a:off x="3678722" y="38100"/>
+            <a:ext cx="2569678" cy="369332"/>
+          </a:xfrm>
+          <a:prstGeom prst="rect">
+            <a:avLst/>
+          </a:prstGeom>
+          <a:noFill/>
+        </p:spPr>
+        <p:txBody>
+          <a:bodyPr wrap="none" rtlCol="0">
+            <a:spAutoFit/>
+          </a:bodyPr>
+          <a:lstStyle/>
+          <a:p>
+            <a:r>
+              <a:rPr lang="en-US" dirty="0" smtClean="0"/>
+              <a:t>K8smaster:192.167.10.70</a:t>
+            </a:r>
+            <a:endParaRPr lang="en-US" dirty="0"/>
+          </a:p>
+        </p:txBody>
+      </p:sp>
+      <p:sp>
+        <p:nvSpPr>
+          <p:cNvPr id="4" name="Rectangle 3"/>
+          <p:cNvSpPr/>
+          <p:nvPr/>
+        </p:nvSpPr>
+        <p:spPr>
+          <a:xfrm>
+            <a:off x="4114800" y="3314700"/>
+            <a:ext cx="3733800" cy="2209800"/>
+          </a:xfrm>
+          <a:prstGeom prst="rect">
+            <a:avLst/>
+          </a:prstGeom>
+          <a:noFill/>
+        </p:spPr>
+        <p:style>
+          <a:lnRef idx="2">
+            <a:schemeClr val="accent1">
+              <a:shade val="50000"/>
+            </a:schemeClr>
+          </a:lnRef>
+          <a:fillRef idx="1">
+            <a:schemeClr val="accent1"/>
+          </a:fillRef>
+          <a:effectRef idx="0">
+            <a:schemeClr val="accent1"/>
+          </a:effectRef>
+          <a:fontRef idx="minor">
+            <a:schemeClr val="lt1"/>
+          </a:fontRef>
+        </p:style>
+        <p:txBody>
+          <a:bodyPr rtlCol="0" anchor="ctr"/>
+          <a:lstStyle/>
+          <a:p>
+            <a:pPr algn="ctr"/>
+            <a:endParaRPr lang="en-US"/>
+          </a:p>
+        </p:txBody>
+      </p:sp>
+      <p:sp>
+        <p:nvSpPr>
+          <p:cNvPr id="5" name="TextBox 4"/>
+          <p:cNvSpPr txBox="1"/>
+          <p:nvPr/>
+        </p:nvSpPr>
+        <p:spPr>
+          <a:xfrm>
+            <a:off x="6104212" y="3037701"/>
+            <a:ext cx="1744388" cy="276999"/>
+          </a:xfrm>
+          <a:prstGeom prst="rect">
+            <a:avLst/>
+          </a:prstGeom>
+          <a:noFill/>
+        </p:spPr>
+        <p:txBody>
+          <a:bodyPr wrap="none" rtlCol="0">
+            <a:spAutoFit/>
+          </a:bodyPr>
+          <a:lstStyle/>
+          <a:p>
+            <a:r>
+              <a:rPr lang="en-US" sz="1200" dirty="0" smtClean="0"/>
+              <a:t>K8snode1:192.167.10.71</a:t>
+            </a:r>
+            <a:endParaRPr lang="en-US" sz="1200" dirty="0"/>
+          </a:p>
+        </p:txBody>
+      </p:sp>
+      <p:sp>
+        <p:nvSpPr>
+          <p:cNvPr id="7" name="Isosceles Triangle 6"/>
+          <p:cNvSpPr/>
+          <p:nvPr/>
+        </p:nvSpPr>
+        <p:spPr>
+          <a:xfrm>
+            <a:off x="838200" y="2628900"/>
+            <a:ext cx="533400" cy="762000"/>
+          </a:xfrm>
+          <a:prstGeom prst="triangle">
+            <a:avLst/>
+          </a:prstGeom>
+        </p:spPr>
+        <p:style>
+          <a:lnRef idx="2">
+            <a:schemeClr val="accent1">
+              <a:shade val="50000"/>
+            </a:schemeClr>
+          </a:lnRef>
+          <a:fillRef idx="1">
+            <a:schemeClr val="accent1"/>
+          </a:fillRef>
+          <a:effectRef idx="0">
+            <a:schemeClr val="accent1"/>
+          </a:effectRef>
+          <a:fontRef idx="minor">
+            <a:schemeClr val="lt1"/>
+          </a:fontRef>
+        </p:style>
+        <p:txBody>
+          <a:bodyPr rtlCol="0" anchor="ctr"/>
+          <a:lstStyle/>
+          <a:p>
+            <a:pPr algn="ctr"/>
+            <a:endParaRPr lang="en-US"/>
+          </a:p>
+        </p:txBody>
+      </p:sp>
+      <p:sp>
+        <p:nvSpPr>
+          <p:cNvPr id="6" name="Rectangle 5"/>
+          <p:cNvSpPr/>
+          <p:nvPr/>
+        </p:nvSpPr>
+        <p:spPr>
+          <a:xfrm>
+            <a:off x="228600" y="1943100"/>
+            <a:ext cx="1676400" cy="1143000"/>
+          </a:xfrm>
+          <a:prstGeom prst="rect">
+            <a:avLst/>
+          </a:prstGeom>
+        </p:spPr>
+        <p:style>
+          <a:lnRef idx="2">
+            <a:schemeClr val="accent1">
+              <a:shade val="50000"/>
+            </a:schemeClr>
+          </a:lnRef>
+          <a:fillRef idx="1">
+            <a:schemeClr val="accent1"/>
+          </a:fillRef>
+          <a:effectRef idx="0">
+            <a:schemeClr val="accent1"/>
+          </a:effectRef>
+          <a:fontRef idx="minor">
+            <a:schemeClr val="lt1"/>
+          </a:fontRef>
+        </p:style>
+        <p:txBody>
+          <a:bodyPr rtlCol="0" anchor="ctr"/>
+          <a:lstStyle/>
+          <a:p>
+            <a:pPr algn="ctr"/>
+            <a:r>
+              <a:rPr lang="en-US" dirty="0" err="1" smtClean="0"/>
+              <a:t>Kubectl</a:t>
+            </a:r>
+            <a:r>
+              <a:rPr lang="en-US" dirty="0" smtClean="0"/>
+              <a:t> apply –f dep.yml</a:t>
+            </a:r>
+            <a:endParaRPr lang="en-US" dirty="0"/>
+          </a:p>
+        </p:txBody>
+      </p:sp>
+      <p:sp>
+        <p:nvSpPr>
+          <p:cNvPr id="8" name="TextBox 7"/>
+          <p:cNvSpPr txBox="1"/>
+          <p:nvPr/>
+        </p:nvSpPr>
+        <p:spPr>
+          <a:xfrm>
+            <a:off x="5791200" y="342900"/>
+            <a:ext cx="818429" cy="369332"/>
+          </a:xfrm>
+          <a:prstGeom prst="rect">
+            <a:avLst/>
+          </a:prstGeom>
+          <a:noFill/>
+        </p:spPr>
+        <p:txBody>
+          <a:bodyPr wrap="none" rtlCol="0">
+            <a:spAutoFit/>
+          </a:bodyPr>
+          <a:lstStyle/>
+          <a:p>
+            <a:r>
+              <a:rPr lang="en-US" dirty="0" err="1" smtClean="0"/>
+              <a:t>docker</a:t>
+            </a:r>
+            <a:endParaRPr lang="en-US" dirty="0"/>
+          </a:p>
+        </p:txBody>
+      </p:sp>
+      <p:sp>
+        <p:nvSpPr>
+          <p:cNvPr id="9" name="TextBox 8"/>
+          <p:cNvSpPr txBox="1"/>
+          <p:nvPr/>
+        </p:nvSpPr>
+        <p:spPr>
+          <a:xfrm>
+            <a:off x="7030171" y="5143500"/>
+            <a:ext cx="937116" cy="369332"/>
+          </a:xfrm>
+          <a:prstGeom prst="rect">
+            <a:avLst/>
+          </a:prstGeom>
+          <a:noFill/>
+        </p:spPr>
+        <p:txBody>
+          <a:bodyPr wrap="none" rtlCol="0">
+            <a:spAutoFit/>
+          </a:bodyPr>
+          <a:lstStyle/>
+          <a:p>
+            <a:r>
+              <a:rPr lang="en-US" dirty="0" err="1" smtClean="0"/>
+              <a:t>dockerd</a:t>
+            </a:r>
+            <a:endParaRPr lang="en-US" dirty="0"/>
+          </a:p>
+        </p:txBody>
+      </p:sp>
+      <p:sp>
+        <p:nvSpPr>
+          <p:cNvPr id="10" name="TextBox 9"/>
+          <p:cNvSpPr txBox="1"/>
+          <p:nvPr/>
+        </p:nvSpPr>
+        <p:spPr>
+          <a:xfrm>
+            <a:off x="5740374" y="647700"/>
+            <a:ext cx="889026" cy="369332"/>
+          </a:xfrm>
+          <a:prstGeom prst="rect">
+            <a:avLst/>
+          </a:prstGeom>
+          <a:noFill/>
+        </p:spPr>
+        <p:txBody>
+          <a:bodyPr wrap="none" rtlCol="0">
+            <a:spAutoFit/>
+          </a:bodyPr>
+          <a:lstStyle/>
+          <a:p>
+            <a:r>
+              <a:rPr lang="en-US" dirty="0" err="1" smtClean="0"/>
+              <a:t>kubelet</a:t>
+            </a:r>
+            <a:endParaRPr lang="en-US" dirty="0"/>
+          </a:p>
+        </p:txBody>
+      </p:sp>
+      <p:sp>
+        <p:nvSpPr>
+          <p:cNvPr id="11" name="TextBox 10"/>
+          <p:cNvSpPr txBox="1"/>
+          <p:nvPr/>
+        </p:nvSpPr>
+        <p:spPr>
+          <a:xfrm>
+            <a:off x="4876800" y="3314700"/>
+            <a:ext cx="889026" cy="369332"/>
+          </a:xfrm>
+          <a:prstGeom prst="rect">
+            <a:avLst/>
+          </a:prstGeom>
+          <a:noFill/>
+        </p:spPr>
+        <p:txBody>
+          <a:bodyPr wrap="none" rtlCol="0">
+            <a:spAutoFit/>
+          </a:bodyPr>
+          <a:lstStyle/>
+          <a:p>
+            <a:r>
+              <a:rPr lang="en-US" dirty="0" err="1" smtClean="0"/>
+              <a:t>kubelet</a:t>
+            </a:r>
+            <a:endParaRPr lang="en-US" dirty="0"/>
+          </a:p>
+        </p:txBody>
+      </p:sp>
+      <p:cxnSp>
+        <p:nvCxnSpPr>
+          <p:cNvPr id="13" name="Straight Arrow Connector 12"/>
+          <p:cNvCxnSpPr>
+            <a:stCxn id="6" idx="3"/>
+            <a:endCxn id="15" idx="1"/>
+          </p:cNvCxnSpPr>
+          <p:nvPr/>
+        </p:nvCxnSpPr>
+        <p:spPr>
+          <a:xfrm flipV="1">
+            <a:off x="1905000" y="691634"/>
+            <a:ext cx="1981200" cy="1822966"/>
+          </a:xfrm>
+          <a:prstGeom prst="straightConnector1">
+            <a:avLst/>
+          </a:prstGeom>
+          <a:ln>
+            <a:tailEnd type="arrow"/>
+          </a:ln>
+        </p:spPr>
+        <p:style>
+          <a:lnRef idx="1">
+            <a:schemeClr val="accent1"/>
+          </a:lnRef>
+          <a:fillRef idx="0">
+            <a:schemeClr val="accent1"/>
+          </a:fillRef>
+          <a:effectRef idx="0">
+            <a:schemeClr val="accent1"/>
+          </a:effectRef>
+          <a:fontRef idx="minor">
+            <a:schemeClr val="tx1"/>
+          </a:fontRef>
+        </p:style>
+      </p:cxnSp>
+      <p:sp>
+        <p:nvSpPr>
+          <p:cNvPr id="14" name="TextBox 13"/>
+          <p:cNvSpPr txBox="1"/>
+          <p:nvPr/>
+        </p:nvSpPr>
+        <p:spPr>
+          <a:xfrm>
+            <a:off x="2306361" y="1562100"/>
+            <a:ext cx="665439" cy="369332"/>
+          </a:xfrm>
+          <a:prstGeom prst="rect">
+            <a:avLst/>
+          </a:prstGeom>
+          <a:noFill/>
+        </p:spPr>
+        <p:txBody>
+          <a:bodyPr wrap="none" rtlCol="0">
+            <a:spAutoFit/>
+          </a:bodyPr>
+          <a:lstStyle/>
+          <a:p>
+            <a:r>
+              <a:rPr lang="en-US" dirty="0" smtClean="0"/>
+              <a:t>https</a:t>
+            </a:r>
+            <a:endParaRPr lang="en-US" dirty="0"/>
+          </a:p>
+        </p:txBody>
+      </p:sp>
+      <p:sp>
+        <p:nvSpPr>
+          <p:cNvPr id="15" name="TextBox 14"/>
+          <p:cNvSpPr txBox="1"/>
+          <p:nvPr/>
+        </p:nvSpPr>
+        <p:spPr>
+          <a:xfrm>
+            <a:off x="3886200" y="506968"/>
+            <a:ext cx="1147943" cy="369332"/>
+          </a:xfrm>
+          <a:prstGeom prst="rect">
+            <a:avLst/>
+          </a:prstGeom>
+          <a:noFill/>
+        </p:spPr>
+        <p:txBody>
+          <a:bodyPr wrap="none" rtlCol="0">
+            <a:spAutoFit/>
+          </a:bodyPr>
+          <a:lstStyle/>
+          <a:p>
+            <a:r>
+              <a:rPr lang="en-US" dirty="0" err="1" smtClean="0"/>
+              <a:t>api</a:t>
+            </a:r>
+            <a:r>
+              <a:rPr lang="en-US" dirty="0" smtClean="0"/>
+              <a:t>-server</a:t>
+            </a:r>
+            <a:endParaRPr lang="en-US" dirty="0"/>
+          </a:p>
+        </p:txBody>
+      </p:sp>
+      <p:cxnSp>
+        <p:nvCxnSpPr>
+          <p:cNvPr id="18" name="Straight Arrow Connector 17"/>
+          <p:cNvCxnSpPr>
+            <a:stCxn id="15" idx="2"/>
+            <a:endCxn id="19" idx="0"/>
+          </p:cNvCxnSpPr>
+          <p:nvPr/>
+        </p:nvCxnSpPr>
+        <p:spPr>
+          <a:xfrm>
+            <a:off x="4460172" y="876300"/>
+            <a:ext cx="287015" cy="240268"/>
+          </a:xfrm>
+          <a:prstGeom prst="straightConnector1">
+            <a:avLst/>
+          </a:prstGeom>
+          <a:ln>
+            <a:tailEnd type="arrow"/>
+          </a:ln>
+        </p:spPr>
+        <p:style>
+          <a:lnRef idx="1">
+            <a:schemeClr val="accent1"/>
+          </a:lnRef>
+          <a:fillRef idx="0">
+            <a:schemeClr val="accent1"/>
+          </a:fillRef>
+          <a:effectRef idx="0">
+            <a:schemeClr val="accent1"/>
+          </a:effectRef>
+          <a:fontRef idx="minor">
+            <a:schemeClr val="tx1"/>
+          </a:fontRef>
+        </p:style>
+      </p:cxnSp>
+      <p:sp>
+        <p:nvSpPr>
+          <p:cNvPr id="19" name="TextBox 18"/>
+          <p:cNvSpPr txBox="1"/>
+          <p:nvPr/>
+        </p:nvSpPr>
+        <p:spPr>
+          <a:xfrm>
+            <a:off x="3733800" y="1116568"/>
+            <a:ext cx="2026773" cy="553998"/>
+          </a:xfrm>
+          <a:prstGeom prst="rect">
+            <a:avLst/>
+          </a:prstGeom>
+          <a:noFill/>
+        </p:spPr>
+        <p:txBody>
+          <a:bodyPr wrap="none" rtlCol="0">
+            <a:spAutoFit/>
+          </a:bodyPr>
+          <a:lstStyle/>
+          <a:p>
+            <a:r>
+              <a:rPr lang="en-US" dirty="0" smtClean="0"/>
+              <a:t>Controller-manager</a:t>
+            </a:r>
+          </a:p>
+          <a:p>
+            <a:r>
+              <a:rPr lang="en-US" sz="1200" dirty="0" smtClean="0"/>
+              <a:t>( </a:t>
+            </a:r>
+            <a:r>
+              <a:rPr lang="en-US" sz="1200" i="1" dirty="0" err="1" smtClean="0"/>
+              <a:t>dep</a:t>
+            </a:r>
+            <a:r>
+              <a:rPr lang="en-US" sz="1200" i="1" dirty="0" smtClean="0"/>
+              <a:t>, </a:t>
+            </a:r>
+            <a:r>
+              <a:rPr lang="en-US" sz="1200" i="1" dirty="0" err="1" smtClean="0"/>
+              <a:t>rc</a:t>
+            </a:r>
+            <a:r>
+              <a:rPr lang="en-US" sz="1200" i="1" dirty="0" smtClean="0"/>
+              <a:t>, pod-def)</a:t>
+            </a:r>
+            <a:endParaRPr lang="en-US" i="1" dirty="0"/>
+          </a:p>
+        </p:txBody>
+      </p:sp>
+      <p:sp>
+        <p:nvSpPr>
+          <p:cNvPr id="21" name="TextBox 20"/>
+          <p:cNvSpPr txBox="1"/>
+          <p:nvPr/>
+        </p:nvSpPr>
+        <p:spPr>
+          <a:xfrm>
+            <a:off x="2971800" y="811768"/>
+            <a:ext cx="771365" cy="369332"/>
+          </a:xfrm>
+          <a:prstGeom prst="rect">
+            <a:avLst/>
+          </a:prstGeom>
+          <a:noFill/>
+        </p:spPr>
+        <p:txBody>
+          <a:bodyPr wrap="none" rtlCol="0">
+            <a:spAutoFit/>
+          </a:bodyPr>
+          <a:lstStyle/>
+          <a:p>
+            <a:r>
+              <a:rPr lang="en-US" dirty="0" smtClean="0"/>
+              <a:t>1. </a:t>
+            </a:r>
+            <a:r>
+              <a:rPr lang="en-US" dirty="0" err="1" smtClean="0"/>
+              <a:t>dep</a:t>
+            </a:r>
+            <a:endParaRPr lang="en-US" dirty="0"/>
+          </a:p>
+        </p:txBody>
+      </p:sp>
+      <p:sp>
+        <p:nvSpPr>
+          <p:cNvPr id="22" name="TextBox 21"/>
+          <p:cNvSpPr txBox="1"/>
+          <p:nvPr/>
+        </p:nvSpPr>
+        <p:spPr>
+          <a:xfrm>
+            <a:off x="4495800" y="800100"/>
+            <a:ext cx="301686" cy="369332"/>
+          </a:xfrm>
+          <a:prstGeom prst="rect">
+            <a:avLst/>
+          </a:prstGeom>
+          <a:noFill/>
+        </p:spPr>
+        <p:txBody>
+          <a:bodyPr wrap="none" rtlCol="0">
+            <a:spAutoFit/>
+          </a:bodyPr>
+          <a:lstStyle/>
+          <a:p>
+            <a:r>
+              <a:rPr lang="en-US" dirty="0" smtClean="0"/>
+              <a:t>2</a:t>
+            </a:r>
+            <a:endParaRPr lang="en-US" dirty="0"/>
+          </a:p>
+        </p:txBody>
+      </p:sp>
+      <p:cxnSp>
+        <p:nvCxnSpPr>
+          <p:cNvPr id="24" name="Straight Arrow Connector 23"/>
+          <p:cNvCxnSpPr/>
+          <p:nvPr/>
+        </p:nvCxnSpPr>
+        <p:spPr>
+          <a:xfrm>
+            <a:off x="4724400" y="1714500"/>
+            <a:ext cx="152400" cy="304800"/>
+          </a:xfrm>
+          <a:prstGeom prst="straightConnector1">
+            <a:avLst/>
+          </a:prstGeom>
+          <a:ln>
+            <a:tailEnd type="arrow"/>
+          </a:ln>
+        </p:spPr>
+        <p:style>
+          <a:lnRef idx="1">
+            <a:schemeClr val="accent1"/>
+          </a:lnRef>
+          <a:fillRef idx="0">
+            <a:schemeClr val="accent1"/>
+          </a:fillRef>
+          <a:effectRef idx="0">
+            <a:schemeClr val="accent1"/>
+          </a:effectRef>
+          <a:fontRef idx="minor">
+            <a:schemeClr val="tx1"/>
+          </a:fontRef>
+        </p:style>
+      </p:cxnSp>
+      <p:sp>
+        <p:nvSpPr>
+          <p:cNvPr id="25" name="TextBox 24"/>
+          <p:cNvSpPr txBox="1"/>
+          <p:nvPr/>
+        </p:nvSpPr>
+        <p:spPr>
+          <a:xfrm>
+            <a:off x="4343400" y="2019300"/>
+            <a:ext cx="1101584" cy="369332"/>
+          </a:xfrm>
+          <a:prstGeom prst="rect">
+            <a:avLst/>
+          </a:prstGeom>
+          <a:noFill/>
+        </p:spPr>
+        <p:txBody>
+          <a:bodyPr wrap="none" rtlCol="0">
+            <a:spAutoFit/>
+          </a:bodyPr>
+          <a:lstStyle/>
+          <a:p>
+            <a:r>
+              <a:rPr lang="en-US" dirty="0" smtClean="0"/>
+              <a:t>scheduler</a:t>
+            </a:r>
+            <a:endParaRPr lang="en-US" dirty="0"/>
+          </a:p>
+        </p:txBody>
+      </p:sp>
+      <p:sp>
+        <p:nvSpPr>
+          <p:cNvPr id="26" name="TextBox 25"/>
+          <p:cNvSpPr txBox="1"/>
+          <p:nvPr/>
+        </p:nvSpPr>
+        <p:spPr>
+          <a:xfrm>
+            <a:off x="4651314" y="1649968"/>
+            <a:ext cx="301686" cy="369332"/>
+          </a:xfrm>
+          <a:prstGeom prst="rect">
+            <a:avLst/>
+          </a:prstGeom>
+          <a:noFill/>
+        </p:spPr>
+        <p:txBody>
+          <a:bodyPr wrap="none" rtlCol="0">
+            <a:spAutoFit/>
+          </a:bodyPr>
+          <a:lstStyle/>
+          <a:p>
+            <a:r>
+              <a:rPr lang="en-US" dirty="0" smtClean="0"/>
+              <a:t>3</a:t>
+            </a:r>
+            <a:endParaRPr lang="en-US" dirty="0"/>
+          </a:p>
+        </p:txBody>
+      </p:sp>
+      <p:cxnSp>
+        <p:nvCxnSpPr>
+          <p:cNvPr id="28" name="Curved Connector 27"/>
+          <p:cNvCxnSpPr>
+            <a:stCxn id="4" idx="3"/>
+            <a:endCxn id="15" idx="3"/>
+          </p:cNvCxnSpPr>
+          <p:nvPr/>
+        </p:nvCxnSpPr>
+        <p:spPr>
+          <a:xfrm flipH="1" flipV="1">
+            <a:off x="5034143" y="691634"/>
+            <a:ext cx="2814457" cy="3727966"/>
+          </a:xfrm>
+          <a:prstGeom prst="curvedConnector3">
+            <a:avLst>
+              <a:gd name="adj1" fmla="val -8122"/>
+            </a:avLst>
+          </a:prstGeom>
+          <a:ln>
+            <a:tailEnd type="arrow"/>
+          </a:ln>
+        </p:spPr>
+        <p:style>
+          <a:lnRef idx="1">
+            <a:schemeClr val="accent1"/>
+          </a:lnRef>
+          <a:fillRef idx="0">
+            <a:schemeClr val="accent1"/>
+          </a:fillRef>
+          <a:effectRef idx="0">
+            <a:schemeClr val="accent1"/>
+          </a:effectRef>
+          <a:fontRef idx="minor">
+            <a:schemeClr val="tx1"/>
+          </a:fontRef>
+        </p:style>
+      </p:cxnSp>
+      <p:sp>
+        <p:nvSpPr>
+          <p:cNvPr id="30" name="TextBox 29"/>
+          <p:cNvSpPr txBox="1"/>
+          <p:nvPr/>
+        </p:nvSpPr>
+        <p:spPr>
+          <a:xfrm>
+            <a:off x="7543800" y="1943100"/>
+            <a:ext cx="1677319" cy="646331"/>
+          </a:xfrm>
+          <a:prstGeom prst="rect">
+            <a:avLst/>
+          </a:prstGeom>
+          <a:noFill/>
+        </p:spPr>
+        <p:txBody>
+          <a:bodyPr wrap="none" rtlCol="0">
+            <a:spAutoFit/>
+          </a:bodyPr>
+          <a:lstStyle/>
+          <a:p>
+            <a:r>
+              <a:rPr lang="en-US" dirty="0" smtClean="0"/>
+              <a:t>Pre-</a:t>
+            </a:r>
+            <a:r>
+              <a:rPr lang="en-US" dirty="0" err="1" smtClean="0"/>
+              <a:t>req</a:t>
+            </a:r>
+            <a:r>
+              <a:rPr lang="en-US" dirty="0" smtClean="0"/>
+              <a:t>:</a:t>
+            </a:r>
+          </a:p>
+          <a:p>
+            <a:r>
+              <a:rPr lang="en-US" dirty="0" err="1" smtClean="0"/>
+              <a:t>kubeadm</a:t>
+            </a:r>
+            <a:r>
+              <a:rPr lang="en-US" dirty="0" smtClean="0"/>
+              <a:t> join …</a:t>
+            </a:r>
+            <a:endParaRPr lang="en-US" dirty="0"/>
+          </a:p>
+        </p:txBody>
+      </p:sp>
+      <p:cxnSp>
+        <p:nvCxnSpPr>
+          <p:cNvPr id="32" name="Straight Arrow Connector 31"/>
+          <p:cNvCxnSpPr>
+            <a:stCxn id="25" idx="2"/>
+            <a:endCxn id="11" idx="0"/>
+          </p:cNvCxnSpPr>
+          <p:nvPr/>
+        </p:nvCxnSpPr>
+        <p:spPr>
+          <a:xfrm>
+            <a:off x="4894192" y="2388632"/>
+            <a:ext cx="427121" cy="926068"/>
+          </a:xfrm>
+          <a:prstGeom prst="straightConnector1">
+            <a:avLst/>
+          </a:prstGeom>
+          <a:ln>
+            <a:tailEnd type="arrow"/>
+          </a:ln>
+        </p:spPr>
+        <p:style>
+          <a:lnRef idx="1">
+            <a:schemeClr val="accent1"/>
+          </a:lnRef>
+          <a:fillRef idx="0">
+            <a:schemeClr val="accent1"/>
+          </a:fillRef>
+          <a:effectRef idx="0">
+            <a:schemeClr val="accent1"/>
+          </a:effectRef>
+          <a:fontRef idx="minor">
+            <a:schemeClr val="tx1"/>
+          </a:fontRef>
+        </p:style>
+      </p:cxnSp>
+      <p:sp>
+        <p:nvSpPr>
+          <p:cNvPr id="33" name="TextBox 32"/>
+          <p:cNvSpPr txBox="1"/>
+          <p:nvPr/>
+        </p:nvSpPr>
+        <p:spPr>
+          <a:xfrm>
+            <a:off x="4953000" y="2705100"/>
+            <a:ext cx="301686" cy="369332"/>
+          </a:xfrm>
+          <a:prstGeom prst="rect">
+            <a:avLst/>
+          </a:prstGeom>
+          <a:noFill/>
+        </p:spPr>
+        <p:txBody>
+          <a:bodyPr wrap="none" rtlCol="0">
+            <a:spAutoFit/>
+          </a:bodyPr>
+          <a:lstStyle/>
+          <a:p>
+            <a:r>
+              <a:rPr lang="en-US" dirty="0" smtClean="0"/>
+              <a:t>4</a:t>
+            </a:r>
+            <a:endParaRPr lang="en-US" dirty="0"/>
+          </a:p>
+        </p:txBody>
+      </p:sp>
+      <p:cxnSp>
+        <p:nvCxnSpPr>
+          <p:cNvPr id="35" name="Straight Arrow Connector 34"/>
+          <p:cNvCxnSpPr>
+            <a:stCxn id="11" idx="3"/>
+            <a:endCxn id="9" idx="0"/>
+          </p:cNvCxnSpPr>
+          <p:nvPr/>
+        </p:nvCxnSpPr>
+        <p:spPr>
+          <a:xfrm>
+            <a:off x="5765826" y="3499366"/>
+            <a:ext cx="1732903" cy="1644134"/>
+          </a:xfrm>
+          <a:prstGeom prst="straightConnector1">
+            <a:avLst/>
+          </a:prstGeom>
+          <a:ln>
+            <a:tailEnd type="arrow"/>
+          </a:ln>
+        </p:spPr>
+        <p:style>
+          <a:lnRef idx="1">
+            <a:schemeClr val="accent1"/>
+          </a:lnRef>
+          <a:fillRef idx="0">
+            <a:schemeClr val="accent1"/>
+          </a:fillRef>
+          <a:effectRef idx="0">
+            <a:schemeClr val="accent1"/>
+          </a:effectRef>
+          <a:fontRef idx="minor">
+            <a:schemeClr val="tx1"/>
+          </a:fontRef>
+        </p:style>
+      </p:cxnSp>
+      <p:sp>
+        <p:nvSpPr>
+          <p:cNvPr id="36" name="TextBox 35"/>
+          <p:cNvSpPr txBox="1"/>
+          <p:nvPr/>
+        </p:nvSpPr>
+        <p:spPr>
+          <a:xfrm>
+            <a:off x="6251514" y="3783568"/>
+            <a:ext cx="1303306" cy="276999"/>
+          </a:xfrm>
+          <a:prstGeom prst="rect">
+            <a:avLst/>
+          </a:prstGeom>
+          <a:noFill/>
+        </p:spPr>
+        <p:txBody>
+          <a:bodyPr wrap="none" rtlCol="0">
+            <a:spAutoFit/>
+          </a:bodyPr>
+          <a:lstStyle/>
+          <a:p>
+            <a:r>
+              <a:rPr lang="en-US" sz="1200" dirty="0" smtClean="0"/>
+              <a:t>5 for pod creation</a:t>
+            </a:r>
+            <a:endParaRPr lang="en-US" dirty="0"/>
+          </a:p>
+        </p:txBody>
+      </p:sp>
+      <p:cxnSp>
+        <p:nvCxnSpPr>
+          <p:cNvPr id="39" name="Straight Arrow Connector 38"/>
+          <p:cNvCxnSpPr>
+            <a:stCxn id="9" idx="0"/>
+          </p:cNvCxnSpPr>
+          <p:nvPr/>
+        </p:nvCxnSpPr>
+        <p:spPr>
+          <a:xfrm flipH="1" flipV="1">
+            <a:off x="6553200" y="4610100"/>
+            <a:ext cx="945529" cy="533400"/>
+          </a:xfrm>
+          <a:prstGeom prst="straightConnector1">
+            <a:avLst/>
+          </a:prstGeom>
+          <a:ln>
+            <a:tailEnd type="arrow"/>
+          </a:ln>
+        </p:spPr>
+        <p:style>
+          <a:lnRef idx="1">
+            <a:schemeClr val="accent1"/>
+          </a:lnRef>
+          <a:fillRef idx="0">
+            <a:schemeClr val="accent1"/>
+          </a:fillRef>
+          <a:effectRef idx="0">
+            <a:schemeClr val="accent1"/>
+          </a:effectRef>
+          <a:fontRef idx="minor">
+            <a:schemeClr val="tx1"/>
+          </a:fontRef>
+        </p:style>
+      </p:cxnSp>
+      <p:sp>
+        <p:nvSpPr>
+          <p:cNvPr id="40" name="Oval 39"/>
+          <p:cNvSpPr/>
+          <p:nvPr/>
+        </p:nvSpPr>
+        <p:spPr>
+          <a:xfrm>
+            <a:off x="5638800" y="4305300"/>
+            <a:ext cx="990600" cy="381000"/>
+          </a:xfrm>
+          <a:prstGeom prst="ellipse">
+            <a:avLst/>
+          </a:prstGeom>
+        </p:spPr>
+        <p:style>
+          <a:lnRef idx="2">
+            <a:schemeClr val="accent1">
+              <a:shade val="50000"/>
+            </a:schemeClr>
+          </a:lnRef>
+          <a:fillRef idx="1">
+            <a:schemeClr val="accent1"/>
+          </a:fillRef>
+          <a:effectRef idx="0">
+            <a:schemeClr val="accent1"/>
+          </a:effectRef>
+          <a:fontRef idx="minor">
+            <a:schemeClr val="lt1"/>
+          </a:fontRef>
+        </p:style>
+        <p:txBody>
+          <a:bodyPr rtlCol="0" anchor="ctr"/>
+          <a:lstStyle/>
+          <a:p>
+            <a:pPr algn="ctr"/>
+            <a:r>
+              <a:rPr lang="en-US" dirty="0" smtClean="0"/>
+              <a:t>pod</a:t>
+            </a:r>
+            <a:endParaRPr lang="en-US" dirty="0"/>
+          </a:p>
+        </p:txBody>
+      </p:sp>
+      <p:cxnSp>
+        <p:nvCxnSpPr>
+          <p:cNvPr id="42" name="Straight Arrow Connector 41"/>
+          <p:cNvCxnSpPr>
+            <a:stCxn id="40" idx="4"/>
+          </p:cNvCxnSpPr>
+          <p:nvPr/>
+        </p:nvCxnSpPr>
+        <p:spPr>
+          <a:xfrm>
+            <a:off x="6134100" y="4686300"/>
+            <a:ext cx="1104900" cy="533400"/>
+          </a:xfrm>
+          <a:prstGeom prst="straightConnector1">
+            <a:avLst/>
+          </a:prstGeom>
+          <a:ln>
+            <a:tailEnd type="arrow"/>
+          </a:ln>
+        </p:spPr>
+        <p:style>
+          <a:lnRef idx="1">
+            <a:schemeClr val="accent1"/>
+          </a:lnRef>
+          <a:fillRef idx="0">
+            <a:schemeClr val="accent1"/>
+          </a:fillRef>
+          <a:effectRef idx="0">
+            <a:schemeClr val="accent1"/>
+          </a:effectRef>
+          <a:fontRef idx="minor">
+            <a:schemeClr val="tx1"/>
+          </a:fontRef>
+        </p:style>
+      </p:cxnSp>
+      <p:sp>
+        <p:nvSpPr>
+          <p:cNvPr id="43" name="Cloud 42"/>
+          <p:cNvSpPr/>
+          <p:nvPr/>
+        </p:nvSpPr>
+        <p:spPr>
+          <a:xfrm>
+            <a:off x="838200" y="4229100"/>
+            <a:ext cx="2133600" cy="609600"/>
+          </a:xfrm>
+          <a:prstGeom prst="cloud">
+            <a:avLst/>
+          </a:prstGeom>
+        </p:spPr>
+        <p:style>
+          <a:lnRef idx="2">
+            <a:schemeClr val="accent1">
+              <a:shade val="50000"/>
+            </a:schemeClr>
+          </a:lnRef>
+          <a:fillRef idx="1">
+            <a:schemeClr val="accent1"/>
+          </a:fillRef>
+          <a:effectRef idx="0">
+            <a:schemeClr val="accent1"/>
+          </a:effectRef>
+          <a:fontRef idx="minor">
+            <a:schemeClr val="lt1"/>
+          </a:fontRef>
+        </p:style>
+        <p:txBody>
+          <a:bodyPr rtlCol="0" anchor="ctr"/>
+          <a:lstStyle/>
+          <a:p>
+            <a:pPr algn="ctr"/>
+            <a:r>
+              <a:rPr lang="en-US" dirty="0" smtClean="0"/>
+              <a:t>Hub.docker.com</a:t>
+            </a:r>
+            <a:endParaRPr lang="en-US" dirty="0"/>
+          </a:p>
+        </p:txBody>
+      </p:sp>
+      <p:cxnSp>
+        <p:nvCxnSpPr>
+          <p:cNvPr id="45" name="Straight Arrow Connector 44"/>
+          <p:cNvCxnSpPr/>
+          <p:nvPr/>
+        </p:nvCxnSpPr>
+        <p:spPr>
+          <a:xfrm flipH="1" flipV="1">
+            <a:off x="2971800" y="4838700"/>
+            <a:ext cx="4191000" cy="457200"/>
+          </a:xfrm>
+          <a:prstGeom prst="straightConnector1">
+            <a:avLst/>
+          </a:prstGeom>
+          <a:ln>
+            <a:tailEnd type="arrow"/>
+          </a:ln>
+        </p:spPr>
+        <p:style>
+          <a:lnRef idx="1">
+            <a:schemeClr val="accent1"/>
+          </a:lnRef>
+          <a:fillRef idx="0">
+            <a:schemeClr val="accent1"/>
+          </a:fillRef>
+          <a:effectRef idx="0">
+            <a:schemeClr val="accent1"/>
+          </a:effectRef>
+          <a:fontRef idx="minor">
+            <a:schemeClr val="tx1"/>
+          </a:fontRef>
+        </p:style>
+      </p:cxnSp>
+      <p:cxnSp>
+        <p:nvCxnSpPr>
+          <p:cNvPr id="47" name="Straight Arrow Connector 46"/>
+          <p:cNvCxnSpPr>
+            <a:stCxn id="43" idx="0"/>
+          </p:cNvCxnSpPr>
+          <p:nvPr/>
+        </p:nvCxnSpPr>
+        <p:spPr>
+          <a:xfrm>
+            <a:off x="2970022" y="4533900"/>
+            <a:ext cx="4192778" cy="762000"/>
+          </a:xfrm>
+          <a:prstGeom prst="straightConnector1">
+            <a:avLst/>
+          </a:prstGeom>
+          <a:ln>
+            <a:tailEnd type="arrow"/>
+          </a:ln>
+        </p:spPr>
+        <p:style>
+          <a:lnRef idx="1">
+            <a:schemeClr val="accent1"/>
+          </a:lnRef>
+          <a:fillRef idx="0">
+            <a:schemeClr val="accent1"/>
+          </a:fillRef>
+          <a:effectRef idx="0">
+            <a:schemeClr val="accent1"/>
+          </a:effectRef>
+          <a:fontRef idx="minor">
+            <a:schemeClr val="tx1"/>
+          </a:fontRef>
+        </p:style>
+      </p:cxnSp>
+      <p:cxnSp>
+        <p:nvCxnSpPr>
+          <p:cNvPr id="49" name="Straight Arrow Connector 48"/>
+          <p:cNvCxnSpPr>
+            <a:stCxn id="9" idx="1"/>
+          </p:cNvCxnSpPr>
+          <p:nvPr/>
+        </p:nvCxnSpPr>
+        <p:spPr>
+          <a:xfrm flipH="1" flipV="1">
+            <a:off x="4343401" y="4152900"/>
+            <a:ext cx="2686770" cy="1175266"/>
+          </a:xfrm>
+          <a:prstGeom prst="straightConnector1">
+            <a:avLst/>
+          </a:prstGeom>
+          <a:ln>
+            <a:tailEnd type="arrow"/>
+          </a:ln>
+        </p:spPr>
+        <p:style>
+          <a:lnRef idx="1">
+            <a:schemeClr val="accent1"/>
+          </a:lnRef>
+          <a:fillRef idx="0">
+            <a:schemeClr val="accent1"/>
+          </a:fillRef>
+          <a:effectRef idx="0">
+            <a:schemeClr val="accent1"/>
+          </a:effectRef>
+          <a:fontRef idx="minor">
+            <a:schemeClr val="tx1"/>
+          </a:fontRef>
+        </p:style>
+      </p:cxnSp>
+      <p:sp>
+        <p:nvSpPr>
+          <p:cNvPr id="50" name="Oval 49"/>
+          <p:cNvSpPr/>
+          <p:nvPr/>
+        </p:nvSpPr>
+        <p:spPr>
+          <a:xfrm>
+            <a:off x="4191000" y="3848100"/>
+            <a:ext cx="1066800" cy="381000"/>
+          </a:xfrm>
+          <a:prstGeom prst="ellipse">
+            <a:avLst/>
+          </a:prstGeom>
+        </p:spPr>
+        <p:style>
+          <a:lnRef idx="2">
+            <a:schemeClr val="accent1">
+              <a:shade val="50000"/>
+            </a:schemeClr>
+          </a:lnRef>
+          <a:fillRef idx="1">
+            <a:schemeClr val="accent1"/>
+          </a:fillRef>
+          <a:effectRef idx="0">
+            <a:schemeClr val="accent1"/>
+          </a:effectRef>
+          <a:fontRef idx="minor">
+            <a:schemeClr val="lt1"/>
+          </a:fontRef>
+        </p:style>
+        <p:txBody>
+          <a:bodyPr rtlCol="0" anchor="ctr"/>
+          <a:lstStyle/>
+          <a:p>
+            <a:pPr algn="ctr"/>
+            <a:r>
+              <a:rPr lang="en-US" dirty="0" smtClean="0"/>
+              <a:t>cont</a:t>
+            </a:r>
+            <a:endParaRPr lang="en-US" dirty="0"/>
+          </a:p>
+        </p:txBody>
+      </p:sp>
+      <p:sp>
+        <p:nvSpPr>
+          <p:cNvPr id="51" name="Rectangle 50"/>
+          <p:cNvSpPr/>
+          <p:nvPr/>
+        </p:nvSpPr>
+        <p:spPr>
+          <a:xfrm>
+            <a:off x="6658162" y="4607123"/>
+            <a:ext cx="276038" cy="307777"/>
+          </a:xfrm>
+          <a:prstGeom prst="rect">
+            <a:avLst/>
+          </a:prstGeom>
+        </p:spPr>
+        <p:txBody>
+          <a:bodyPr wrap="none">
+            <a:spAutoFit/>
+          </a:bodyPr>
+          <a:lstStyle/>
+          <a:p>
+            <a:r>
+              <a:rPr lang="en-US" sz="1400" dirty="0" smtClean="0"/>
+              <a:t>6</a:t>
+            </a:r>
+            <a:endParaRPr lang="en-US" dirty="0"/>
+          </a:p>
+        </p:txBody>
+      </p:sp>
+      <p:sp>
+        <p:nvSpPr>
+          <p:cNvPr id="52" name="Rectangle 51"/>
+          <p:cNvSpPr/>
+          <p:nvPr/>
+        </p:nvSpPr>
+        <p:spPr>
+          <a:xfrm>
+            <a:off x="6200962" y="4683323"/>
+            <a:ext cx="276038" cy="307777"/>
+          </a:xfrm>
+          <a:prstGeom prst="rect">
+            <a:avLst/>
+          </a:prstGeom>
+        </p:spPr>
+        <p:txBody>
+          <a:bodyPr wrap="none">
+            <a:spAutoFit/>
+          </a:bodyPr>
+          <a:lstStyle/>
+          <a:p>
+            <a:r>
+              <a:rPr lang="en-US" sz="1400" dirty="0" smtClean="0"/>
+              <a:t>7</a:t>
+            </a:r>
+            <a:endParaRPr lang="en-US" dirty="0"/>
+          </a:p>
+        </p:txBody>
+      </p:sp>
+      <p:sp>
+        <p:nvSpPr>
+          <p:cNvPr id="53" name="Rectangle 52"/>
+          <p:cNvSpPr/>
+          <p:nvPr/>
+        </p:nvSpPr>
+        <p:spPr>
+          <a:xfrm>
+            <a:off x="4419600" y="4838700"/>
+            <a:ext cx="276038" cy="307777"/>
+          </a:xfrm>
+          <a:prstGeom prst="rect">
+            <a:avLst/>
+          </a:prstGeom>
+        </p:spPr>
+        <p:txBody>
+          <a:bodyPr wrap="none">
+            <a:spAutoFit/>
+          </a:bodyPr>
+          <a:lstStyle/>
+          <a:p>
+            <a:r>
+              <a:rPr lang="en-US" sz="1400" dirty="0" smtClean="0"/>
+              <a:t>8</a:t>
+            </a:r>
+            <a:endParaRPr lang="en-US" dirty="0"/>
+          </a:p>
+        </p:txBody>
+      </p:sp>
+      <p:sp>
+        <p:nvSpPr>
+          <p:cNvPr id="54" name="Rectangle 53"/>
+          <p:cNvSpPr/>
+          <p:nvPr/>
+        </p:nvSpPr>
+        <p:spPr>
+          <a:xfrm>
+            <a:off x="4753162" y="4229100"/>
+            <a:ext cx="276038" cy="307777"/>
+          </a:xfrm>
+          <a:prstGeom prst="rect">
+            <a:avLst/>
+          </a:prstGeom>
+        </p:spPr>
+        <p:txBody>
+          <a:bodyPr wrap="none">
+            <a:spAutoFit/>
+          </a:bodyPr>
+          <a:lstStyle/>
+          <a:p>
+            <a:r>
+              <a:rPr lang="en-US" sz="1400" dirty="0" smtClean="0"/>
+              <a:t>9</a:t>
+            </a:r>
+            <a:endParaRPr lang="en-US" dirty="0"/>
+          </a:p>
+        </p:txBody>
+      </p:sp>
+      <p:cxnSp>
+        <p:nvCxnSpPr>
+          <p:cNvPr id="57" name="Straight Arrow Connector 56"/>
+          <p:cNvCxnSpPr/>
+          <p:nvPr/>
+        </p:nvCxnSpPr>
+        <p:spPr>
+          <a:xfrm>
+            <a:off x="5105400" y="1409700"/>
+            <a:ext cx="762000" cy="304800"/>
+          </a:xfrm>
+          <a:prstGeom prst="straightConnector1">
+            <a:avLst/>
+          </a:prstGeom>
+          <a:ln>
+            <a:tailEnd type="arrow"/>
+          </a:ln>
+        </p:spPr>
+        <p:style>
+          <a:lnRef idx="1">
+            <a:schemeClr val="accent1"/>
+          </a:lnRef>
+          <a:fillRef idx="0">
+            <a:schemeClr val="accent1"/>
+          </a:fillRef>
+          <a:effectRef idx="0">
+            <a:schemeClr val="accent1"/>
+          </a:effectRef>
+          <a:fontRef idx="minor">
+            <a:schemeClr val="tx1"/>
+          </a:fontRef>
+        </p:style>
+      </p:cxnSp>
+      <p:sp>
+        <p:nvSpPr>
+          <p:cNvPr id="58" name="Can 57"/>
+          <p:cNvSpPr/>
+          <p:nvPr/>
+        </p:nvSpPr>
+        <p:spPr>
+          <a:xfrm>
+            <a:off x="5791200" y="1714500"/>
+            <a:ext cx="762000" cy="457200"/>
+          </a:xfrm>
+          <a:prstGeom prst="can">
+            <a:avLst/>
+          </a:prstGeom>
+        </p:spPr>
+        <p:style>
+          <a:lnRef idx="2">
+            <a:schemeClr val="accent1">
+              <a:shade val="50000"/>
+            </a:schemeClr>
+          </a:lnRef>
+          <a:fillRef idx="1">
+            <a:schemeClr val="accent1"/>
+          </a:fillRef>
+          <a:effectRef idx="0">
+            <a:schemeClr val="accent1"/>
+          </a:effectRef>
+          <a:fontRef idx="minor">
+            <a:schemeClr val="lt1"/>
+          </a:fontRef>
+        </p:style>
+        <p:txBody>
+          <a:bodyPr rtlCol="0" anchor="ctr"/>
+          <a:lstStyle/>
+          <a:p>
+            <a:pPr algn="ctr"/>
+            <a:r>
+              <a:rPr lang="en-US" dirty="0" err="1" smtClean="0"/>
+              <a:t>etcd</a:t>
+            </a:r>
+            <a:endParaRPr lang="en-US" dirty="0"/>
+          </a:p>
+        </p:txBody>
+      </p:sp>
+      <p:sp>
+        <p:nvSpPr>
+          <p:cNvPr id="59" name="Rectangle 58"/>
+          <p:cNvSpPr/>
+          <p:nvPr/>
+        </p:nvSpPr>
+        <p:spPr>
+          <a:xfrm>
+            <a:off x="3733800" y="495300"/>
+            <a:ext cx="1981200" cy="1828800"/>
+          </a:xfrm>
+          <a:prstGeom prst="rect">
+            <a:avLst/>
+          </a:prstGeom>
+          <a:noFill/>
+          <a:ln>
+            <a:prstDash val="sysDot"/>
+          </a:ln>
+        </p:spPr>
+        <p:style>
+          <a:lnRef idx="2">
+            <a:schemeClr val="accent1">
+              <a:shade val="50000"/>
+            </a:schemeClr>
+          </a:lnRef>
+          <a:fillRef idx="1">
+            <a:schemeClr val="accent1"/>
+          </a:fillRef>
+          <a:effectRef idx="0">
+            <a:schemeClr val="accent1"/>
+          </a:effectRef>
+          <a:fontRef idx="minor">
+            <a:schemeClr val="lt1"/>
+          </a:fontRef>
+        </p:style>
+        <p:txBody>
+          <a:bodyPr rtlCol="0" anchor="ctr"/>
+          <a:lstStyle/>
+          <a:p>
+            <a:pPr algn="ctr"/>
+            <a:endParaRPr lang="en-US"/>
+          </a:p>
+        </p:txBody>
+      </p:sp>
+      <p:cxnSp>
+        <p:nvCxnSpPr>
+          <p:cNvPr id="61" name="Straight Arrow Connector 60"/>
+          <p:cNvCxnSpPr/>
+          <p:nvPr/>
+        </p:nvCxnSpPr>
+        <p:spPr>
+          <a:xfrm flipH="1">
+            <a:off x="2819400" y="2324100"/>
+            <a:ext cx="990600" cy="685800"/>
+          </a:xfrm>
+          <a:prstGeom prst="straightConnector1">
+            <a:avLst/>
+          </a:prstGeom>
+          <a:ln>
+            <a:tailEnd type="arrow"/>
+          </a:ln>
+        </p:spPr>
+        <p:style>
+          <a:lnRef idx="1">
+            <a:schemeClr val="accent1"/>
+          </a:lnRef>
+          <a:fillRef idx="0">
+            <a:schemeClr val="accent1"/>
+          </a:fillRef>
+          <a:effectRef idx="0">
+            <a:schemeClr val="accent1"/>
+          </a:effectRef>
+          <a:fontRef idx="minor">
+            <a:schemeClr val="tx1"/>
+          </a:fontRef>
+        </p:style>
+      </p:cxnSp>
+      <p:sp>
+        <p:nvSpPr>
+          <p:cNvPr id="62" name="TextBox 61"/>
+          <p:cNvSpPr txBox="1"/>
+          <p:nvPr/>
+        </p:nvSpPr>
+        <p:spPr>
+          <a:xfrm>
+            <a:off x="2133600" y="3009900"/>
+            <a:ext cx="1470852" cy="369332"/>
+          </a:xfrm>
+          <a:prstGeom prst="rect">
+            <a:avLst/>
+          </a:prstGeom>
+          <a:noFill/>
+        </p:spPr>
+        <p:txBody>
+          <a:bodyPr wrap="none" rtlCol="0">
+            <a:spAutoFit/>
+          </a:bodyPr>
+          <a:lstStyle/>
+          <a:p>
+            <a:r>
+              <a:rPr lang="en-US" dirty="0" smtClean="0"/>
+              <a:t>Control-plane</a:t>
+            </a:r>
+            <a:endParaRPr lang="en-US" dirty="0"/>
+          </a:p>
+        </p:txBody>
+      </p:sp>
+      <p:cxnSp>
+        <p:nvCxnSpPr>
+          <p:cNvPr id="64" name="Straight Arrow Connector 63"/>
+          <p:cNvCxnSpPr>
+            <a:stCxn id="58" idx="4"/>
+          </p:cNvCxnSpPr>
+          <p:nvPr/>
+        </p:nvCxnSpPr>
+        <p:spPr>
+          <a:xfrm flipV="1">
+            <a:off x="6553200" y="1104900"/>
+            <a:ext cx="838200" cy="838200"/>
+          </a:xfrm>
+          <a:prstGeom prst="straightConnector1">
+            <a:avLst/>
+          </a:prstGeom>
+          <a:ln>
+            <a:tailEnd type="arrow"/>
+          </a:ln>
+        </p:spPr>
+        <p:style>
+          <a:lnRef idx="1">
+            <a:schemeClr val="accent1"/>
+          </a:lnRef>
+          <a:fillRef idx="0">
+            <a:schemeClr val="accent1"/>
+          </a:fillRef>
+          <a:effectRef idx="0">
+            <a:schemeClr val="accent1"/>
+          </a:effectRef>
+          <a:fontRef idx="minor">
+            <a:schemeClr val="tx1"/>
+          </a:fontRef>
+        </p:style>
+      </p:cxnSp>
+      <p:sp>
+        <p:nvSpPr>
+          <p:cNvPr id="65" name="TextBox 64"/>
+          <p:cNvSpPr txBox="1"/>
+          <p:nvPr/>
+        </p:nvSpPr>
+        <p:spPr>
+          <a:xfrm>
+            <a:off x="7239000" y="735568"/>
+            <a:ext cx="1838196" cy="369332"/>
+          </a:xfrm>
+          <a:prstGeom prst="rect">
+            <a:avLst/>
+          </a:prstGeom>
+          <a:noFill/>
+        </p:spPr>
+        <p:txBody>
+          <a:bodyPr wrap="none" rtlCol="0">
+            <a:spAutoFit/>
+          </a:bodyPr>
+          <a:lstStyle/>
+          <a:p>
+            <a:r>
+              <a:rPr lang="en-US" dirty="0" err="1" smtClean="0"/>
+              <a:t>Unoff</a:t>
+            </a:r>
+            <a:r>
+              <a:rPr lang="en-US" dirty="0" smtClean="0"/>
+              <a:t>: data-plane</a:t>
             </a:r>
             <a:endParaRPr lang="en-US" dirty="0"/>
           </a:p>
